--- a/JavaScript/Napredno/prezentacije/18. Objektno orijentisano programiranje u javascriptu.pptx
+++ b/JavaScript/Napredno/prezentacije/18. Objektno orijentisano programiranje u javascriptu.pptx
@@ -13,7 +13,14 @@
     <p:sldId id="261" r:id="rId7"/>
     <p:sldId id="262" r:id="rId8"/>
     <p:sldId id="264" r:id="rId9"/>
-    <p:sldId id="263" r:id="rId10"/>
+    <p:sldId id="265" r:id="rId10"/>
+    <p:sldId id="266" r:id="rId11"/>
+    <p:sldId id="267" r:id="rId12"/>
+    <p:sldId id="263" r:id="rId13"/>
+    <p:sldId id="268" r:id="rId14"/>
+    <p:sldId id="269" r:id="rId15"/>
+    <p:sldId id="270" r:id="rId16"/>
+    <p:sldId id="271" r:id="rId17"/>
   </p:sldIdLst>
   <p:sldSz cx="12192000" cy="6858000"/>
   <p:notesSz cx="6858000" cy="9144000"/>
@@ -112,6 +119,11 @@
       </a:defRPr>
     </a:lvl9pPr>
   </p:defaultTextStyle>
+  <p:extLst>
+    <p:ext uri="{EFAFB233-063F-42B5-8137-9DF3F51BA10A}">
+      <p15:sldGuideLst xmlns:p15="http://schemas.microsoft.com/office/powerpoint/2012/main"/>
+    </p:ext>
+  </p:extLst>
 </p:presentation>
 </file>
 
@@ -165,7 +177,7 @@
           <a:noFill/>
           <a:extLst>
             <a:ext uri="{909E8E84-426E-40dd-AFC4-6F175D3DCCD1}">
-              <a14:hiddenFill xmlns:a14="http://schemas.microsoft.com/office/drawing/2010/main" xmlns="">
+              <a14:hiddenFill xmlns="" xmlns:a14="http://schemas.microsoft.com/office/drawing/2010/main">
                 <a:solidFill>
                   <a:srgbClr val="FFFFFF"/>
                 </a:solidFill>
@@ -225,7 +237,7 @@
             </a:ln>
             <a:extLst>
               <a:ext uri="{91240B29-F687-4f45-9708-019B960494DF}">
-                <a14:hiddenLine xmlns:a14="http://schemas.microsoft.com/office/drawing/2010/main" xmlns="" w="9525">
+                <a14:hiddenLine xmlns="" xmlns:a14="http://schemas.microsoft.com/office/drawing/2010/main" w="9525">
                   <a:solidFill>
                     <a:srgbClr val="000000"/>
                   </a:solidFill>
@@ -315,7 +327,7 @@
             </a:ln>
             <a:extLst>
               <a:ext uri="{91240B29-F687-4f45-9708-019B960494DF}">
-                <a14:hiddenLine xmlns:a14="http://schemas.microsoft.com/office/drawing/2010/main" xmlns="" w="9525">
+                <a14:hiddenLine xmlns="" xmlns:a14="http://schemas.microsoft.com/office/drawing/2010/main" w="9525">
                   <a:solidFill>
                     <a:srgbClr val="000000"/>
                   </a:solidFill>
@@ -405,7 +417,7 @@
             </a:ln>
             <a:extLst>
               <a:ext uri="{91240B29-F687-4f45-9708-019B960494DF}">
-                <a14:hiddenLine xmlns:a14="http://schemas.microsoft.com/office/drawing/2010/main" xmlns="" w="9525">
+                <a14:hiddenLine xmlns="" xmlns:a14="http://schemas.microsoft.com/office/drawing/2010/main" w="9525">
                   <a:solidFill>
                     <a:srgbClr val="000000"/>
                   </a:solidFill>
@@ -439,7 +451,7 @@
             </a:ln>
             <a:extLst>
               <a:ext uri="{91240B29-F687-4f45-9708-019B960494DF}">
-                <a14:hiddenLine xmlns:a14="http://schemas.microsoft.com/office/drawing/2010/main" xmlns="" w="9525">
+                <a14:hiddenLine xmlns="" xmlns:a14="http://schemas.microsoft.com/office/drawing/2010/main" w="9525">
                   <a:solidFill>
                     <a:srgbClr val="000000"/>
                   </a:solidFill>
@@ -529,7 +541,7 @@
             </a:ln>
             <a:extLst>
               <a:ext uri="{91240B29-F687-4f45-9708-019B960494DF}">
-                <a14:hiddenLine xmlns:a14="http://schemas.microsoft.com/office/drawing/2010/main" xmlns="" w="9525">
+                <a14:hiddenLine xmlns="" xmlns:a14="http://schemas.microsoft.com/office/drawing/2010/main" w="9525">
                   <a:solidFill>
                     <a:srgbClr val="000000"/>
                   </a:solidFill>
@@ -591,7 +603,7 @@
             </a:ln>
             <a:extLst>
               <a:ext uri="{91240B29-F687-4f45-9708-019B960494DF}">
-                <a14:hiddenLine xmlns:a14="http://schemas.microsoft.com/office/drawing/2010/main" xmlns="" w="9525">
+                <a14:hiddenLine xmlns="" xmlns:a14="http://schemas.microsoft.com/office/drawing/2010/main" w="9525">
                   <a:solidFill>
                     <a:srgbClr val="000000"/>
                   </a:solidFill>
@@ -653,7 +665,7 @@
             </a:ln>
             <a:extLst>
               <a:ext uri="{91240B29-F687-4f45-9708-019B960494DF}">
-                <a14:hiddenLine xmlns:a14="http://schemas.microsoft.com/office/drawing/2010/main" xmlns="" w="9525">
+                <a14:hiddenLine xmlns="" xmlns:a14="http://schemas.microsoft.com/office/drawing/2010/main" w="9525">
                   <a:solidFill>
                     <a:srgbClr val="000000"/>
                   </a:solidFill>
@@ -743,7 +755,7 @@
             </a:ln>
             <a:extLst>
               <a:ext uri="{91240B29-F687-4f45-9708-019B960494DF}">
-                <a14:hiddenLine xmlns:a14="http://schemas.microsoft.com/office/drawing/2010/main" xmlns="" w="9525">
+                <a14:hiddenLine xmlns="" xmlns:a14="http://schemas.microsoft.com/office/drawing/2010/main" w="9525">
                   <a:solidFill>
                     <a:srgbClr val="000000"/>
                   </a:solidFill>
@@ -805,7 +817,7 @@
             </a:ln>
             <a:extLst>
               <a:ext uri="{91240B29-F687-4f45-9708-019B960494DF}">
-                <a14:hiddenLine xmlns:a14="http://schemas.microsoft.com/office/drawing/2010/main" xmlns="" w="9525">
+                <a14:hiddenLine xmlns="" xmlns:a14="http://schemas.microsoft.com/office/drawing/2010/main" w="9525">
                   <a:solidFill>
                     <a:srgbClr val="000000"/>
                   </a:solidFill>
@@ -867,7 +879,7 @@
             </a:ln>
             <a:extLst>
               <a:ext uri="{91240B29-F687-4f45-9708-019B960494DF}">
-                <a14:hiddenLine xmlns:a14="http://schemas.microsoft.com/office/drawing/2010/main" xmlns="" w="9525">
+                <a14:hiddenLine xmlns="" xmlns:a14="http://schemas.microsoft.com/office/drawing/2010/main" w="9525">
                   <a:solidFill>
                     <a:srgbClr val="000000"/>
                   </a:solidFill>
@@ -957,7 +969,7 @@
             </a:ln>
             <a:extLst>
               <a:ext uri="{91240B29-F687-4f45-9708-019B960494DF}">
-                <a14:hiddenLine xmlns:a14="http://schemas.microsoft.com/office/drawing/2010/main" xmlns="" w="9525">
+                <a14:hiddenLine xmlns="" xmlns:a14="http://schemas.microsoft.com/office/drawing/2010/main" w="9525">
                   <a:solidFill>
                     <a:srgbClr val="000000"/>
                   </a:solidFill>
@@ -1047,7 +1059,7 @@
             </a:ln>
             <a:extLst>
               <a:ext uri="{91240B29-F687-4f45-9708-019B960494DF}">
-                <a14:hiddenLine xmlns:a14="http://schemas.microsoft.com/office/drawing/2010/main" xmlns="" w="9525">
+                <a14:hiddenLine xmlns="" xmlns:a14="http://schemas.microsoft.com/office/drawing/2010/main" w="9525">
                   <a:solidFill>
                     <a:srgbClr val="000000"/>
                   </a:solidFill>
@@ -1109,7 +1121,7 @@
             </a:ln>
             <a:extLst>
               <a:ext uri="{91240B29-F687-4f45-9708-019B960494DF}">
-                <a14:hiddenLine xmlns:a14="http://schemas.microsoft.com/office/drawing/2010/main" xmlns="" w="9525">
+                <a14:hiddenLine xmlns="" xmlns:a14="http://schemas.microsoft.com/office/drawing/2010/main" w="9525">
                   <a:solidFill>
                     <a:srgbClr val="000000"/>
                   </a:solidFill>
@@ -1219,7 +1231,7 @@
             </a:ln>
             <a:extLst>
               <a:ext uri="{91240B29-F687-4f45-9708-019B960494DF}">
-                <a14:hiddenLine xmlns:a14="http://schemas.microsoft.com/office/drawing/2010/main" xmlns="" w="9525">
+                <a14:hiddenLine xmlns="" xmlns:a14="http://schemas.microsoft.com/office/drawing/2010/main" w="9525">
                   <a:solidFill>
                     <a:srgbClr val="000000"/>
                   </a:solidFill>
@@ -1281,7 +1293,7 @@
             </a:ln>
             <a:extLst>
               <a:ext uri="{91240B29-F687-4f45-9708-019B960494DF}">
-                <a14:hiddenLine xmlns:a14="http://schemas.microsoft.com/office/drawing/2010/main" xmlns="" w="9525">
+                <a14:hiddenLine xmlns="" xmlns:a14="http://schemas.microsoft.com/office/drawing/2010/main" w="9525">
                   <a:solidFill>
                     <a:srgbClr val="000000"/>
                   </a:solidFill>
@@ -1371,7 +1383,7 @@
             </a:ln>
             <a:extLst>
               <a:ext uri="{91240B29-F687-4f45-9708-019B960494DF}">
-                <a14:hiddenLine xmlns:a14="http://schemas.microsoft.com/office/drawing/2010/main" xmlns="" w="9525">
+                <a14:hiddenLine xmlns="" xmlns:a14="http://schemas.microsoft.com/office/drawing/2010/main" w="9525">
                   <a:solidFill>
                     <a:srgbClr val="000000"/>
                   </a:solidFill>
@@ -1461,7 +1473,7 @@
             </a:ln>
             <a:extLst>
               <a:ext uri="{91240B29-F687-4f45-9708-019B960494DF}">
-                <a14:hiddenLine xmlns:a14="http://schemas.microsoft.com/office/drawing/2010/main" xmlns="" w="9525">
+                <a14:hiddenLine xmlns="" xmlns:a14="http://schemas.microsoft.com/office/drawing/2010/main" w="9525">
                   <a:solidFill>
                     <a:srgbClr val="000000"/>
                   </a:solidFill>
@@ -1523,7 +1535,7 @@
             </a:ln>
             <a:extLst>
               <a:ext uri="{91240B29-F687-4f45-9708-019B960494DF}">
-                <a14:hiddenLine xmlns:a14="http://schemas.microsoft.com/office/drawing/2010/main" xmlns="" w="9525">
+                <a14:hiddenLine xmlns="" xmlns:a14="http://schemas.microsoft.com/office/drawing/2010/main" w="9525">
                   <a:solidFill>
                     <a:srgbClr val="000000"/>
                   </a:solidFill>
@@ -1613,7 +1625,7 @@
             </a:ln>
             <a:extLst>
               <a:ext uri="{91240B29-F687-4f45-9708-019B960494DF}">
-                <a14:hiddenLine xmlns:a14="http://schemas.microsoft.com/office/drawing/2010/main" xmlns="" w="9525">
+                <a14:hiddenLine xmlns="" xmlns:a14="http://schemas.microsoft.com/office/drawing/2010/main" w="9525">
                   <a:solidFill>
                     <a:srgbClr val="000000"/>
                   </a:solidFill>
@@ -1703,7 +1715,7 @@
             </a:ln>
             <a:extLst>
               <a:ext uri="{91240B29-F687-4f45-9708-019B960494DF}">
-                <a14:hiddenLine xmlns:a14="http://schemas.microsoft.com/office/drawing/2010/main" xmlns="" w="9525">
+                <a14:hiddenLine xmlns="" xmlns:a14="http://schemas.microsoft.com/office/drawing/2010/main" w="9525">
                   <a:solidFill>
                     <a:srgbClr val="000000"/>
                   </a:solidFill>
@@ -1759,7 +1771,7 @@
             </a:ln>
             <a:extLst>
               <a:ext uri="{91240B29-F687-4f45-9708-019B960494DF}">
-                <a14:hiddenLine xmlns:a14="http://schemas.microsoft.com/office/drawing/2010/main" xmlns="" w="9525">
+                <a14:hiddenLine xmlns="" xmlns:a14="http://schemas.microsoft.com/office/drawing/2010/main" w="9525">
                   <a:solidFill>
                     <a:srgbClr val="000000"/>
                   </a:solidFill>
@@ -1849,7 +1861,7 @@
             </a:ln>
             <a:extLst>
               <a:ext uri="{91240B29-F687-4f45-9708-019B960494DF}">
-                <a14:hiddenLine xmlns:a14="http://schemas.microsoft.com/office/drawing/2010/main" xmlns="" w="9525">
+                <a14:hiddenLine xmlns="" xmlns:a14="http://schemas.microsoft.com/office/drawing/2010/main" w="9525">
                   <a:solidFill>
                     <a:srgbClr val="000000"/>
                   </a:solidFill>
@@ -1905,7 +1917,7 @@
             </a:ln>
             <a:extLst>
               <a:ext uri="{91240B29-F687-4f45-9708-019B960494DF}">
-                <a14:hiddenLine xmlns:a14="http://schemas.microsoft.com/office/drawing/2010/main" xmlns="" w="9525">
+                <a14:hiddenLine xmlns="" xmlns:a14="http://schemas.microsoft.com/office/drawing/2010/main" w="9525">
                   <a:solidFill>
                     <a:srgbClr val="000000"/>
                   </a:solidFill>
@@ -1995,7 +2007,7 @@
             </a:ln>
             <a:extLst>
               <a:ext uri="{91240B29-F687-4f45-9708-019B960494DF}">
-                <a14:hiddenLine xmlns:a14="http://schemas.microsoft.com/office/drawing/2010/main" xmlns="" w="9525">
+                <a14:hiddenLine xmlns="" xmlns:a14="http://schemas.microsoft.com/office/drawing/2010/main" w="9525">
                   <a:solidFill>
                     <a:srgbClr val="000000"/>
                   </a:solidFill>
@@ -2063,7 +2075,7 @@
             </a:ln>
             <a:extLst>
               <a:ext uri="{91240B29-F687-4f45-9708-019B960494DF}">
-                <a14:hiddenLine xmlns:a14="http://schemas.microsoft.com/office/drawing/2010/main" xmlns="" w="9525">
+                <a14:hiddenLine xmlns="" xmlns:a14="http://schemas.microsoft.com/office/drawing/2010/main" w="9525">
                   <a:solidFill>
                     <a:srgbClr val="000000"/>
                   </a:solidFill>
@@ -2153,7 +2165,7 @@
             </a:ln>
             <a:extLst>
               <a:ext uri="{91240B29-F687-4f45-9708-019B960494DF}">
-                <a14:hiddenLine xmlns:a14="http://schemas.microsoft.com/office/drawing/2010/main" xmlns="" w="9525">
+                <a14:hiddenLine xmlns="" xmlns:a14="http://schemas.microsoft.com/office/drawing/2010/main" w="9525">
                   <a:solidFill>
                     <a:srgbClr val="000000"/>
                   </a:solidFill>
@@ -2221,7 +2233,7 @@
             </a:ln>
             <a:extLst>
               <a:ext uri="{91240B29-F687-4f45-9708-019B960494DF}">
-                <a14:hiddenLine xmlns:a14="http://schemas.microsoft.com/office/drawing/2010/main" xmlns="" w="9525">
+                <a14:hiddenLine xmlns="" xmlns:a14="http://schemas.microsoft.com/office/drawing/2010/main" w="9525">
                   <a:solidFill>
                     <a:srgbClr val="000000"/>
                   </a:solidFill>
@@ -2311,7 +2323,7 @@
             </a:ln>
             <a:extLst>
               <a:ext uri="{91240B29-F687-4f45-9708-019B960494DF}">
-                <a14:hiddenLine xmlns:a14="http://schemas.microsoft.com/office/drawing/2010/main" xmlns="" w="9525">
+                <a14:hiddenLine xmlns="" xmlns:a14="http://schemas.microsoft.com/office/drawing/2010/main" w="9525">
                   <a:solidFill>
                     <a:srgbClr val="000000"/>
                   </a:solidFill>
@@ -2345,7 +2357,7 @@
             </a:ln>
             <a:extLst>
               <a:ext uri="{91240B29-F687-4f45-9708-019B960494DF}">
-                <a14:hiddenLine xmlns:a14="http://schemas.microsoft.com/office/drawing/2010/main" xmlns="" w="9525">
+                <a14:hiddenLine xmlns="" xmlns:a14="http://schemas.microsoft.com/office/drawing/2010/main" w="9525">
                   <a:solidFill>
                     <a:srgbClr val="000000"/>
                   </a:solidFill>
@@ -2435,7 +2447,7 @@
             </a:ln>
             <a:extLst>
               <a:ext uri="{91240B29-F687-4f45-9708-019B960494DF}">
-                <a14:hiddenLine xmlns:a14="http://schemas.microsoft.com/office/drawing/2010/main" xmlns="" w="9525">
+                <a14:hiddenLine xmlns="" xmlns:a14="http://schemas.microsoft.com/office/drawing/2010/main" w="9525">
                   <a:solidFill>
                     <a:srgbClr val="000000"/>
                   </a:solidFill>
@@ -2497,7 +2509,7 @@
             </a:ln>
             <a:extLst>
               <a:ext uri="{91240B29-F687-4f45-9708-019B960494DF}">
-                <a14:hiddenLine xmlns:a14="http://schemas.microsoft.com/office/drawing/2010/main" xmlns="" w="9525">
+                <a14:hiddenLine xmlns="" xmlns:a14="http://schemas.microsoft.com/office/drawing/2010/main" w="9525">
                   <a:solidFill>
                     <a:srgbClr val="000000"/>
                   </a:solidFill>
@@ -2559,7 +2571,7 @@
             </a:ln>
             <a:extLst>
               <a:ext uri="{91240B29-F687-4f45-9708-019B960494DF}">
-                <a14:hiddenLine xmlns:a14="http://schemas.microsoft.com/office/drawing/2010/main" xmlns="" w="9525">
+                <a14:hiddenLine xmlns="" xmlns:a14="http://schemas.microsoft.com/office/drawing/2010/main" w="9525">
                   <a:solidFill>
                     <a:srgbClr val="000000"/>
                   </a:solidFill>
@@ -2649,7 +2661,7 @@
             </a:ln>
             <a:extLst>
               <a:ext uri="{91240B29-F687-4f45-9708-019B960494DF}">
-                <a14:hiddenLine xmlns:a14="http://schemas.microsoft.com/office/drawing/2010/main" xmlns="" w="9525">
+                <a14:hiddenLine xmlns="" xmlns:a14="http://schemas.microsoft.com/office/drawing/2010/main" w="9525">
                   <a:solidFill>
                     <a:srgbClr val="000000"/>
                   </a:solidFill>
@@ -2717,7 +2729,7 @@
             </a:ln>
             <a:extLst>
               <a:ext uri="{91240B29-F687-4f45-9708-019B960494DF}">
-                <a14:hiddenLine xmlns:a14="http://schemas.microsoft.com/office/drawing/2010/main" xmlns="" w="9525">
+                <a14:hiddenLine xmlns="" xmlns:a14="http://schemas.microsoft.com/office/drawing/2010/main" w="9525">
                   <a:solidFill>
                     <a:srgbClr val="000000"/>
                   </a:solidFill>
@@ -2779,7 +2791,7 @@
             </a:ln>
             <a:extLst>
               <a:ext uri="{91240B29-F687-4f45-9708-019B960494DF}">
-                <a14:hiddenLine xmlns:a14="http://schemas.microsoft.com/office/drawing/2010/main" xmlns="" w="9525">
+                <a14:hiddenLine xmlns="" xmlns:a14="http://schemas.microsoft.com/office/drawing/2010/main" w="9525">
                   <a:solidFill>
                     <a:srgbClr val="000000"/>
                   </a:solidFill>
@@ -2869,7 +2881,7 @@
             </a:ln>
             <a:extLst>
               <a:ext uri="{91240B29-F687-4f45-9708-019B960494DF}">
-                <a14:hiddenLine xmlns:a14="http://schemas.microsoft.com/office/drawing/2010/main" xmlns="" w="9525">
+                <a14:hiddenLine xmlns="" xmlns:a14="http://schemas.microsoft.com/office/drawing/2010/main" w="9525">
                   <a:solidFill>
                     <a:srgbClr val="000000"/>
                   </a:solidFill>
@@ -2931,7 +2943,7 @@
             </a:ln>
             <a:extLst>
               <a:ext uri="{91240B29-F687-4f45-9708-019B960494DF}">
-                <a14:hiddenLine xmlns:a14="http://schemas.microsoft.com/office/drawing/2010/main" xmlns="" w="9525">
+                <a14:hiddenLine xmlns="" xmlns:a14="http://schemas.microsoft.com/office/drawing/2010/main" w="9525">
                   <a:solidFill>
                     <a:srgbClr val="000000"/>
                   </a:solidFill>
@@ -3021,7 +3033,7 @@
             </a:ln>
             <a:extLst>
               <a:ext uri="{91240B29-F687-4f45-9708-019B960494DF}">
-                <a14:hiddenLine xmlns:a14="http://schemas.microsoft.com/office/drawing/2010/main" xmlns="" w="9525">
+                <a14:hiddenLine xmlns="" xmlns:a14="http://schemas.microsoft.com/office/drawing/2010/main" w="9525">
                   <a:solidFill>
                     <a:srgbClr val="000000"/>
                   </a:solidFill>
@@ -3083,7 +3095,7 @@
             </a:ln>
             <a:extLst>
               <a:ext uri="{91240B29-F687-4f45-9708-019B960494DF}">
-                <a14:hiddenLine xmlns:a14="http://schemas.microsoft.com/office/drawing/2010/main" xmlns="" w="9525">
+                <a14:hiddenLine xmlns="" xmlns:a14="http://schemas.microsoft.com/office/drawing/2010/main" w="9525">
                   <a:solidFill>
                     <a:srgbClr val="000000"/>
                   </a:solidFill>
@@ -3173,7 +3185,7 @@
             </a:ln>
             <a:extLst>
               <a:ext uri="{91240B29-F687-4f45-9708-019B960494DF}">
-                <a14:hiddenLine xmlns:a14="http://schemas.microsoft.com/office/drawing/2010/main" xmlns="" w="9525">
+                <a14:hiddenLine xmlns="" xmlns:a14="http://schemas.microsoft.com/office/drawing/2010/main" w="9525">
                   <a:solidFill>
                     <a:srgbClr val="000000"/>
                   </a:solidFill>
@@ -3207,7 +3219,7 @@
             </a:ln>
             <a:extLst>
               <a:ext uri="{91240B29-F687-4f45-9708-019B960494DF}">
-                <a14:hiddenLine xmlns:a14="http://schemas.microsoft.com/office/drawing/2010/main" xmlns="" w="9525">
+                <a14:hiddenLine xmlns="" xmlns:a14="http://schemas.microsoft.com/office/drawing/2010/main" w="9525">
                   <a:solidFill>
                     <a:srgbClr val="000000"/>
                   </a:solidFill>
@@ -3272,7 +3284,7 @@
             </a:ln>
             <a:extLst>
               <a:ext uri="{91240B29-F687-4f45-9708-019B960494DF}">
-                <a14:hiddenLine xmlns:a14="http://schemas.microsoft.com/office/drawing/2010/main" xmlns="" w="9525">
+                <a14:hiddenLine xmlns="" xmlns:a14="http://schemas.microsoft.com/office/drawing/2010/main" w="9525">
                   <a:solidFill>
                     <a:srgbClr val="000000"/>
                   </a:solidFill>
@@ -3362,7 +3374,7 @@
             </a:ln>
             <a:extLst>
               <a:ext uri="{91240B29-F687-4f45-9708-019B960494DF}">
-                <a14:hiddenLine xmlns:a14="http://schemas.microsoft.com/office/drawing/2010/main" xmlns="" w="9525">
+                <a14:hiddenLine xmlns="" xmlns:a14="http://schemas.microsoft.com/office/drawing/2010/main" w="9525">
                   <a:solidFill>
                     <a:srgbClr val="000000"/>
                   </a:solidFill>
@@ -3424,7 +3436,7 @@
             </a:ln>
             <a:extLst>
               <a:ext uri="{91240B29-F687-4f45-9708-019B960494DF}">
-                <a14:hiddenLine xmlns:a14="http://schemas.microsoft.com/office/drawing/2010/main" xmlns="" w="9525">
+                <a14:hiddenLine xmlns="" xmlns:a14="http://schemas.microsoft.com/office/drawing/2010/main" w="9525">
                   <a:solidFill>
                     <a:srgbClr val="000000"/>
                   </a:solidFill>
@@ -3514,7 +3526,7 @@
             </a:ln>
             <a:extLst>
               <a:ext uri="{91240B29-F687-4f45-9708-019B960494DF}">
-                <a14:hiddenLine xmlns:a14="http://schemas.microsoft.com/office/drawing/2010/main" xmlns="" w="9525">
+                <a14:hiddenLine xmlns="" xmlns:a14="http://schemas.microsoft.com/office/drawing/2010/main" w="9525">
                   <a:solidFill>
                     <a:srgbClr val="000000"/>
                   </a:solidFill>
@@ -3604,7 +3616,7 @@
             </a:ln>
             <a:extLst>
               <a:ext uri="{91240B29-F687-4f45-9708-019B960494DF}">
-                <a14:hiddenLine xmlns:a14="http://schemas.microsoft.com/office/drawing/2010/main" xmlns="" w="9525">
+                <a14:hiddenLine xmlns="" xmlns:a14="http://schemas.microsoft.com/office/drawing/2010/main" w="9525">
                   <a:solidFill>
                     <a:srgbClr val="000000"/>
                   </a:solidFill>
@@ -3669,7 +3681,7 @@
             </a:ln>
             <a:extLst>
               <a:ext uri="{91240B29-F687-4f45-9708-019B960494DF}">
-                <a14:hiddenLine xmlns:a14="http://schemas.microsoft.com/office/drawing/2010/main" xmlns="" w="9525">
+                <a14:hiddenLine xmlns="" xmlns:a14="http://schemas.microsoft.com/office/drawing/2010/main" w="9525">
                   <a:solidFill>
                     <a:srgbClr val="000000"/>
                   </a:solidFill>
@@ -3731,7 +3743,7 @@
             </a:ln>
             <a:extLst>
               <a:ext uri="{91240B29-F687-4f45-9708-019B960494DF}">
-                <a14:hiddenLine xmlns:a14="http://schemas.microsoft.com/office/drawing/2010/main" xmlns="" w="9525">
+                <a14:hiddenLine xmlns="" xmlns:a14="http://schemas.microsoft.com/office/drawing/2010/main" w="9525">
                   <a:solidFill>
                     <a:srgbClr val="000000"/>
                   </a:solidFill>
@@ -3821,7 +3833,7 @@
             </a:ln>
             <a:extLst>
               <a:ext uri="{91240B29-F687-4f45-9708-019B960494DF}">
-                <a14:hiddenLine xmlns:a14="http://schemas.microsoft.com/office/drawing/2010/main" xmlns="" w="9525">
+                <a14:hiddenLine xmlns="" xmlns:a14="http://schemas.microsoft.com/office/drawing/2010/main" w="9525">
                   <a:solidFill>
                     <a:srgbClr val="000000"/>
                   </a:solidFill>
@@ -3911,7 +3923,7 @@
             </a:ln>
             <a:extLst>
               <a:ext uri="{91240B29-F687-4f45-9708-019B960494DF}">
-                <a14:hiddenLine xmlns:a14="http://schemas.microsoft.com/office/drawing/2010/main" xmlns="" w="9525">
+                <a14:hiddenLine xmlns="" xmlns:a14="http://schemas.microsoft.com/office/drawing/2010/main" w="9525">
                   <a:solidFill>
                     <a:srgbClr val="000000"/>
                   </a:solidFill>
@@ -3973,7 +3985,7 @@
             </a:ln>
             <a:extLst>
               <a:ext uri="{91240B29-F687-4f45-9708-019B960494DF}">
-                <a14:hiddenLine xmlns:a14="http://schemas.microsoft.com/office/drawing/2010/main" xmlns="" w="9525">
+                <a14:hiddenLine xmlns="" xmlns:a14="http://schemas.microsoft.com/office/drawing/2010/main" w="9525">
                   <a:solidFill>
                     <a:srgbClr val="000000"/>
                   </a:solidFill>
@@ -4093,7 +4105,7 @@
             </a:ln>
             <a:extLst>
               <a:ext uri="{91240B29-F687-4f45-9708-019B960494DF}">
-                <a14:hiddenLine xmlns:a14="http://schemas.microsoft.com/office/drawing/2010/main" xmlns="" w="9525">
+                <a14:hiddenLine xmlns="" xmlns:a14="http://schemas.microsoft.com/office/drawing/2010/main" w="9525">
                   <a:solidFill>
                     <a:srgbClr val="000000"/>
                   </a:solidFill>
@@ -4161,7 +4173,7 @@
             </a:ln>
             <a:extLst>
               <a:ext uri="{91240B29-F687-4f45-9708-019B960494DF}">
-                <a14:hiddenLine xmlns:a14="http://schemas.microsoft.com/office/drawing/2010/main" xmlns="" w="9525">
+                <a14:hiddenLine xmlns="" xmlns:a14="http://schemas.microsoft.com/office/drawing/2010/main" w="9525">
                   <a:solidFill>
                     <a:srgbClr val="000000"/>
                   </a:solidFill>
@@ -4251,7 +4263,7 @@
             </a:ln>
             <a:extLst>
               <a:ext uri="{91240B29-F687-4f45-9708-019B960494DF}">
-                <a14:hiddenLine xmlns:a14="http://schemas.microsoft.com/office/drawing/2010/main" xmlns="" w="9525">
+                <a14:hiddenLine xmlns="" xmlns:a14="http://schemas.microsoft.com/office/drawing/2010/main" w="9525">
                   <a:solidFill>
                     <a:srgbClr val="000000"/>
                   </a:solidFill>
@@ -9058,7 +9070,7 @@
           <a:noFill/>
           <a:extLst>
             <a:ext uri="{909E8E84-426E-40dd-AFC4-6F175D3DCCD1}">
-              <a14:hiddenFill xmlns:a14="http://schemas.microsoft.com/office/drawing/2010/main" xmlns="">
+              <a14:hiddenFill xmlns="" xmlns:a14="http://schemas.microsoft.com/office/drawing/2010/main">
                 <a:solidFill>
                   <a:srgbClr val="FFFFFF"/>
                 </a:solidFill>
@@ -9132,7 +9144,7 @@
               </a:ln>
               <a:extLst>
                 <a:ext uri="{91240B29-F687-4f45-9708-019B960494DF}">
-                  <a14:hiddenLine xmlns:a14="http://schemas.microsoft.com/office/drawing/2010/main" xmlns="" w="9525">
+                  <a14:hiddenLine xmlns="" xmlns:a14="http://schemas.microsoft.com/office/drawing/2010/main" w="9525">
                     <a:solidFill>
                       <a:srgbClr val="000000"/>
                     </a:solidFill>
@@ -9222,7 +9234,7 @@
               </a:ln>
               <a:extLst>
                 <a:ext uri="{91240B29-F687-4f45-9708-019B960494DF}">
-                  <a14:hiddenLine xmlns:a14="http://schemas.microsoft.com/office/drawing/2010/main" xmlns="" w="9525">
+                  <a14:hiddenLine xmlns="" xmlns:a14="http://schemas.microsoft.com/office/drawing/2010/main" w="9525">
                     <a:solidFill>
                       <a:srgbClr val="000000"/>
                     </a:solidFill>
@@ -9312,7 +9324,7 @@
               </a:ln>
               <a:extLst>
                 <a:ext uri="{91240B29-F687-4f45-9708-019B960494DF}">
-                  <a14:hiddenLine xmlns:a14="http://schemas.microsoft.com/office/drawing/2010/main" xmlns="" w="9525">
+                  <a14:hiddenLine xmlns="" xmlns:a14="http://schemas.microsoft.com/office/drawing/2010/main" w="9525">
                     <a:solidFill>
                       <a:srgbClr val="000000"/>
                     </a:solidFill>
@@ -9374,7 +9386,7 @@
               </a:ln>
               <a:extLst>
                 <a:ext uri="{91240B29-F687-4f45-9708-019B960494DF}">
-                  <a14:hiddenLine xmlns:a14="http://schemas.microsoft.com/office/drawing/2010/main" xmlns="" w="9525">
+                  <a14:hiddenLine xmlns="" xmlns:a14="http://schemas.microsoft.com/office/drawing/2010/main" w="9525">
                     <a:solidFill>
                       <a:srgbClr val="000000"/>
                     </a:solidFill>
@@ -9464,7 +9476,7 @@
               </a:ln>
               <a:extLst>
                 <a:ext uri="{91240B29-F687-4f45-9708-019B960494DF}">
-                  <a14:hiddenLine xmlns:a14="http://schemas.microsoft.com/office/drawing/2010/main" xmlns="" w="9525">
+                  <a14:hiddenLine xmlns="" xmlns:a14="http://schemas.microsoft.com/office/drawing/2010/main" w="9525">
                     <a:solidFill>
                       <a:srgbClr val="000000"/>
                     </a:solidFill>
@@ -9526,7 +9538,7 @@
               </a:ln>
               <a:extLst>
                 <a:ext uri="{91240B29-F687-4f45-9708-019B960494DF}">
-                  <a14:hiddenLine xmlns:a14="http://schemas.microsoft.com/office/drawing/2010/main" xmlns="" w="9525">
+                  <a14:hiddenLine xmlns="" xmlns:a14="http://schemas.microsoft.com/office/drawing/2010/main" w="9525">
                     <a:solidFill>
                       <a:srgbClr val="000000"/>
                     </a:solidFill>
@@ -9588,7 +9600,7 @@
               </a:ln>
               <a:extLst>
                 <a:ext uri="{91240B29-F687-4f45-9708-019B960494DF}">
-                  <a14:hiddenLine xmlns:a14="http://schemas.microsoft.com/office/drawing/2010/main" xmlns="" w="9525">
+                  <a14:hiddenLine xmlns="" xmlns:a14="http://schemas.microsoft.com/office/drawing/2010/main" w="9525">
                     <a:solidFill>
                       <a:srgbClr val="000000"/>
                     </a:solidFill>
@@ -9678,7 +9690,7 @@
               </a:ln>
               <a:extLst>
                 <a:ext uri="{91240B29-F687-4f45-9708-019B960494DF}">
-                  <a14:hiddenLine xmlns:a14="http://schemas.microsoft.com/office/drawing/2010/main" xmlns="" w="9525">
+                  <a14:hiddenLine xmlns="" xmlns:a14="http://schemas.microsoft.com/office/drawing/2010/main" w="9525">
                     <a:solidFill>
                       <a:srgbClr val="000000"/>
                     </a:solidFill>
@@ -9768,7 +9780,7 @@
               </a:ln>
               <a:extLst>
                 <a:ext uri="{91240B29-F687-4f45-9708-019B960494DF}">
-                  <a14:hiddenLine xmlns:a14="http://schemas.microsoft.com/office/drawing/2010/main" xmlns="" w="9525">
+                  <a14:hiddenLine xmlns="" xmlns:a14="http://schemas.microsoft.com/office/drawing/2010/main" w="9525">
                     <a:solidFill>
                       <a:srgbClr val="000000"/>
                     </a:solidFill>
@@ -9830,7 +9842,7 @@
               </a:ln>
               <a:extLst>
                 <a:ext uri="{91240B29-F687-4f45-9708-019B960494DF}">
-                  <a14:hiddenLine xmlns:a14="http://schemas.microsoft.com/office/drawing/2010/main" xmlns="" w="9525">
+                  <a14:hiddenLine xmlns="" xmlns:a14="http://schemas.microsoft.com/office/drawing/2010/main" w="9525">
                     <a:solidFill>
                       <a:srgbClr val="000000"/>
                     </a:solidFill>
@@ -9940,7 +9952,7 @@
               </a:ln>
               <a:extLst>
                 <a:ext uri="{91240B29-F687-4f45-9708-019B960494DF}">
-                  <a14:hiddenLine xmlns:a14="http://schemas.microsoft.com/office/drawing/2010/main" xmlns="" w="9525">
+                  <a14:hiddenLine xmlns="" xmlns:a14="http://schemas.microsoft.com/office/drawing/2010/main" w="9525">
                     <a:solidFill>
                       <a:srgbClr val="000000"/>
                     </a:solidFill>
@@ -10024,7 +10036,7 @@
               </a:ln>
               <a:extLst>
                 <a:ext uri="{91240B29-F687-4f45-9708-019B960494DF}">
-                  <a14:hiddenLine xmlns:a14="http://schemas.microsoft.com/office/drawing/2010/main" xmlns="" w="9525">
+                  <a14:hiddenLine xmlns="" xmlns:a14="http://schemas.microsoft.com/office/drawing/2010/main" w="9525">
                     <a:solidFill>
                       <a:srgbClr val="000000"/>
                     </a:solidFill>
@@ -10086,7 +10098,7 @@
               </a:ln>
               <a:extLst>
                 <a:ext uri="{91240B29-F687-4f45-9708-019B960494DF}">
-                  <a14:hiddenLine xmlns:a14="http://schemas.microsoft.com/office/drawing/2010/main" xmlns="" w="9525">
+                  <a14:hiddenLine xmlns="" xmlns:a14="http://schemas.microsoft.com/office/drawing/2010/main" w="9525">
                     <a:solidFill>
                       <a:srgbClr val="000000"/>
                     </a:solidFill>
@@ -10148,7 +10160,7 @@
               </a:ln>
               <a:extLst>
                 <a:ext uri="{91240B29-F687-4f45-9708-019B960494DF}">
-                  <a14:hiddenLine xmlns:a14="http://schemas.microsoft.com/office/drawing/2010/main" xmlns="" w="9525">
+                  <a14:hiddenLine xmlns="" xmlns:a14="http://schemas.microsoft.com/office/drawing/2010/main" w="9525">
                     <a:solidFill>
                       <a:srgbClr val="000000"/>
                     </a:solidFill>
@@ -10238,7 +10250,7 @@
               </a:ln>
               <a:extLst>
                 <a:ext uri="{91240B29-F687-4f45-9708-019B960494DF}">
-                  <a14:hiddenLine xmlns:a14="http://schemas.microsoft.com/office/drawing/2010/main" xmlns="" w="9525">
+                  <a14:hiddenLine xmlns="" xmlns:a14="http://schemas.microsoft.com/office/drawing/2010/main" w="9525">
                     <a:solidFill>
                       <a:srgbClr val="000000"/>
                     </a:solidFill>
@@ -10272,7 +10284,7 @@
               </a:ln>
               <a:extLst>
                 <a:ext uri="{91240B29-F687-4f45-9708-019B960494DF}">
-                  <a14:hiddenLine xmlns:a14="http://schemas.microsoft.com/office/drawing/2010/main" xmlns="" w="9525">
+                  <a14:hiddenLine xmlns="" xmlns:a14="http://schemas.microsoft.com/office/drawing/2010/main" w="9525">
                     <a:solidFill>
                       <a:srgbClr val="000000"/>
                     </a:solidFill>
@@ -10337,7 +10349,7 @@
               </a:ln>
               <a:extLst>
                 <a:ext uri="{91240B29-F687-4f45-9708-019B960494DF}">
-                  <a14:hiddenLine xmlns:a14="http://schemas.microsoft.com/office/drawing/2010/main" xmlns="" w="9525">
+                  <a14:hiddenLine xmlns="" xmlns:a14="http://schemas.microsoft.com/office/drawing/2010/main" w="9525">
                     <a:solidFill>
                       <a:srgbClr val="000000"/>
                     </a:solidFill>
@@ -10427,7 +10439,7 @@
               </a:ln>
               <a:extLst>
                 <a:ext uri="{91240B29-F687-4f45-9708-019B960494DF}">
-                  <a14:hiddenLine xmlns:a14="http://schemas.microsoft.com/office/drawing/2010/main" xmlns="" w="9525">
+                  <a14:hiddenLine xmlns="" xmlns:a14="http://schemas.microsoft.com/office/drawing/2010/main" w="9525">
                     <a:solidFill>
                       <a:srgbClr val="000000"/>
                     </a:solidFill>
@@ -10489,7 +10501,7 @@
               </a:ln>
               <a:extLst>
                 <a:ext uri="{91240B29-F687-4f45-9708-019B960494DF}">
-                  <a14:hiddenLine xmlns:a14="http://schemas.microsoft.com/office/drawing/2010/main" xmlns="" w="9525">
+                  <a14:hiddenLine xmlns="" xmlns:a14="http://schemas.microsoft.com/office/drawing/2010/main" w="9525">
                     <a:solidFill>
                       <a:srgbClr val="000000"/>
                     </a:solidFill>
@@ -10579,7 +10591,7 @@
               </a:ln>
               <a:extLst>
                 <a:ext uri="{91240B29-F687-4f45-9708-019B960494DF}">
-                  <a14:hiddenLine xmlns:a14="http://schemas.microsoft.com/office/drawing/2010/main" xmlns="" w="9525">
+                  <a14:hiddenLine xmlns="" xmlns:a14="http://schemas.microsoft.com/office/drawing/2010/main" w="9525">
                     <a:solidFill>
                       <a:srgbClr val="000000"/>
                     </a:solidFill>
@@ -10644,7 +10656,7 @@
               </a:ln>
               <a:extLst>
                 <a:ext uri="{91240B29-F687-4f45-9708-019B960494DF}">
-                  <a14:hiddenLine xmlns:a14="http://schemas.microsoft.com/office/drawing/2010/main" xmlns="" w="9525">
+                  <a14:hiddenLine xmlns="" xmlns:a14="http://schemas.microsoft.com/office/drawing/2010/main" w="9525">
                     <a:solidFill>
                       <a:srgbClr val="000000"/>
                     </a:solidFill>
@@ -10706,7 +10718,7 @@
               </a:ln>
               <a:extLst>
                 <a:ext uri="{91240B29-F687-4f45-9708-019B960494DF}">
-                  <a14:hiddenLine xmlns:a14="http://schemas.microsoft.com/office/drawing/2010/main" xmlns="" w="9525">
+                  <a14:hiddenLine xmlns="" xmlns:a14="http://schemas.microsoft.com/office/drawing/2010/main" w="9525">
                     <a:solidFill>
                       <a:srgbClr val="000000"/>
                     </a:solidFill>
@@ -10796,7 +10808,7 @@
               </a:ln>
               <a:extLst>
                 <a:ext uri="{91240B29-F687-4f45-9708-019B960494DF}">
-                  <a14:hiddenLine xmlns:a14="http://schemas.microsoft.com/office/drawing/2010/main" xmlns="" w="9525">
+                  <a14:hiddenLine xmlns="" xmlns:a14="http://schemas.microsoft.com/office/drawing/2010/main" w="9525">
                     <a:solidFill>
                       <a:srgbClr val="000000"/>
                     </a:solidFill>
@@ -10886,7 +10898,7 @@
               </a:ln>
               <a:extLst>
                 <a:ext uri="{91240B29-F687-4f45-9708-019B960494DF}">
-                  <a14:hiddenLine xmlns:a14="http://schemas.microsoft.com/office/drawing/2010/main" xmlns="" w="9525">
+                  <a14:hiddenLine xmlns="" xmlns:a14="http://schemas.microsoft.com/office/drawing/2010/main" w="9525">
                     <a:solidFill>
                       <a:srgbClr val="000000"/>
                     </a:solidFill>
@@ -10951,7 +10963,7 @@
               </a:ln>
               <a:extLst>
                 <a:ext uri="{91240B29-F687-4f45-9708-019B960494DF}">
-                  <a14:hiddenLine xmlns:a14="http://schemas.microsoft.com/office/drawing/2010/main" xmlns="" w="9525">
+                  <a14:hiddenLine xmlns="" xmlns:a14="http://schemas.microsoft.com/office/drawing/2010/main" w="9525">
                     <a:solidFill>
                       <a:srgbClr val="000000"/>
                     </a:solidFill>
@@ -11071,7 +11083,7 @@
               </a:ln>
               <a:extLst>
                 <a:ext uri="{91240B29-F687-4f45-9708-019B960494DF}">
-                  <a14:hiddenLine xmlns:a14="http://schemas.microsoft.com/office/drawing/2010/main" xmlns="" w="9525">
+                  <a14:hiddenLine xmlns="" xmlns:a14="http://schemas.microsoft.com/office/drawing/2010/main" w="9525">
                     <a:solidFill>
                       <a:srgbClr val="000000"/>
                     </a:solidFill>
@@ -11169,7 +11181,7 @@
               </a:ln>
               <a:extLst>
                 <a:ext uri="{91240B29-F687-4f45-9708-019B960494DF}">
-                  <a14:hiddenLine xmlns:a14="http://schemas.microsoft.com/office/drawing/2010/main" xmlns="" w="9525">
+                  <a14:hiddenLine xmlns="" xmlns:a14="http://schemas.microsoft.com/office/drawing/2010/main" w="9525">
                     <a:solidFill>
                       <a:srgbClr val="000000"/>
                     </a:solidFill>
@@ -11284,7 +11296,7 @@
               </a:ln>
               <a:extLst>
                 <a:ext uri="{91240B29-F687-4f45-9708-019B960494DF}">
-                  <a14:hiddenLine xmlns:a14="http://schemas.microsoft.com/office/drawing/2010/main" xmlns="" w="9525">
+                  <a14:hiddenLine xmlns="" xmlns:a14="http://schemas.microsoft.com/office/drawing/2010/main" w="9525">
                     <a:solidFill>
                       <a:srgbClr val="000000"/>
                     </a:solidFill>
@@ -11374,7 +11386,7 @@
               </a:ln>
               <a:extLst>
                 <a:ext uri="{91240B29-F687-4f45-9708-019B960494DF}">
-                  <a14:hiddenLine xmlns:a14="http://schemas.microsoft.com/office/drawing/2010/main" xmlns="" w="9525">
+                  <a14:hiddenLine xmlns="" xmlns:a14="http://schemas.microsoft.com/office/drawing/2010/main" w="9525">
                     <a:solidFill>
                       <a:srgbClr val="000000"/>
                     </a:solidFill>
@@ -11439,7 +11451,7 @@
               </a:ln>
               <a:extLst>
                 <a:ext uri="{91240B29-F687-4f45-9708-019B960494DF}">
-                  <a14:hiddenLine xmlns:a14="http://schemas.microsoft.com/office/drawing/2010/main" xmlns="" w="9525">
+                  <a14:hiddenLine xmlns="" xmlns:a14="http://schemas.microsoft.com/office/drawing/2010/main" w="9525">
                     <a:solidFill>
                       <a:srgbClr val="000000"/>
                     </a:solidFill>
@@ -11529,7 +11541,7 @@
               </a:ln>
               <a:extLst>
                 <a:ext uri="{91240B29-F687-4f45-9708-019B960494DF}">
-                  <a14:hiddenLine xmlns:a14="http://schemas.microsoft.com/office/drawing/2010/main" xmlns="" w="9525">
+                  <a14:hiddenLine xmlns="" xmlns:a14="http://schemas.microsoft.com/office/drawing/2010/main" w="9525">
                     <a:solidFill>
                       <a:srgbClr val="000000"/>
                     </a:solidFill>
@@ -11597,7 +11609,7 @@
               </a:ln>
               <a:extLst>
                 <a:ext uri="{91240B29-F687-4f45-9708-019B960494DF}">
-                  <a14:hiddenLine xmlns:a14="http://schemas.microsoft.com/office/drawing/2010/main" xmlns="" w="9525">
+                  <a14:hiddenLine xmlns="" xmlns:a14="http://schemas.microsoft.com/office/drawing/2010/main" w="9525">
                     <a:solidFill>
                       <a:srgbClr val="000000"/>
                     </a:solidFill>
@@ -11687,7 +11699,7 @@
               </a:ln>
               <a:extLst>
                 <a:ext uri="{91240B29-F687-4f45-9708-019B960494DF}">
-                  <a14:hiddenLine xmlns:a14="http://schemas.microsoft.com/office/drawing/2010/main" xmlns="" w="9525">
+                  <a14:hiddenLine xmlns="" xmlns:a14="http://schemas.microsoft.com/office/drawing/2010/main" w="9525">
                     <a:solidFill>
                       <a:srgbClr val="000000"/>
                     </a:solidFill>
@@ -11755,7 +11767,7 @@
               </a:ln>
               <a:extLst>
                 <a:ext uri="{91240B29-F687-4f45-9708-019B960494DF}">
-                  <a14:hiddenLine xmlns:a14="http://schemas.microsoft.com/office/drawing/2010/main" xmlns="" w="9525">
+                  <a14:hiddenLine xmlns="" xmlns:a14="http://schemas.microsoft.com/office/drawing/2010/main" w="9525">
                     <a:solidFill>
                       <a:srgbClr val="000000"/>
                     </a:solidFill>
@@ -11845,7 +11857,7 @@
               </a:ln>
               <a:extLst>
                 <a:ext uri="{91240B29-F687-4f45-9708-019B960494DF}">
-                  <a14:hiddenLine xmlns:a14="http://schemas.microsoft.com/office/drawing/2010/main" xmlns="" w="9525">
+                  <a14:hiddenLine xmlns="" xmlns:a14="http://schemas.microsoft.com/office/drawing/2010/main" w="9525">
                     <a:solidFill>
                       <a:srgbClr val="000000"/>
                     </a:solidFill>
@@ -11879,7 +11891,7 @@
               </a:ln>
               <a:extLst>
                 <a:ext uri="{91240B29-F687-4f45-9708-019B960494DF}">
-                  <a14:hiddenLine xmlns:a14="http://schemas.microsoft.com/office/drawing/2010/main" xmlns="" w="9525">
+                  <a14:hiddenLine xmlns="" xmlns:a14="http://schemas.microsoft.com/office/drawing/2010/main" w="9525">
                     <a:solidFill>
                       <a:srgbClr val="000000"/>
                     </a:solidFill>
@@ -12498,6 +12510,506 @@
 </p:sld>
 </file>
 
+<file path=ppt/slides/slide10.xml><?xml version="1.0" encoding="utf-8"?>
+<p:sld xmlns:a="http://schemas.openxmlformats.org/drawingml/2006/main" xmlns:r="http://schemas.openxmlformats.org/officeDocument/2006/relationships" xmlns:p="http://schemas.openxmlformats.org/presentationml/2006/main">
+  <p:cSld>
+    <p:spTree>
+      <p:nvGrpSpPr>
+        <p:cNvPr id="1" name=""/>
+        <p:cNvGrpSpPr/>
+        <p:nvPr/>
+      </p:nvGrpSpPr>
+      <p:grpSpPr>
+        <a:xfrm>
+          <a:off x="0" y="0"/>
+          <a:ext cx="0" cy="0"/>
+          <a:chOff x="0" y="0"/>
+          <a:chExt cx="0" cy="0"/>
+        </a:xfrm>
+      </p:grpSpPr>
+      <p:sp>
+        <p:nvSpPr>
+          <p:cNvPr id="2" name="Title 1"/>
+          <p:cNvSpPr>
+            <a:spLocks noGrp="1"/>
+          </p:cNvSpPr>
+          <p:nvPr>
+            <p:ph type="title"/>
+          </p:nvPr>
+        </p:nvSpPr>
+        <p:spPr/>
+        <p:txBody>
+          <a:bodyPr/>
+          <a:lstStyle/>
+          <a:p>
+            <a:r>
+              <a:rPr lang="sr-Latn-RS" dirty="0" smtClean="0"/>
+              <a:t>Statičke metode</a:t>
+            </a:r>
+            <a:endParaRPr lang="en-US" dirty="0"/>
+          </a:p>
+        </p:txBody>
+      </p:sp>
+      <p:sp>
+        <p:nvSpPr>
+          <p:cNvPr id="3" name="Content Placeholder 2"/>
+          <p:cNvSpPr>
+            <a:spLocks noGrp="1"/>
+          </p:cNvSpPr>
+          <p:nvPr>
+            <p:ph idx="1"/>
+          </p:nvPr>
+        </p:nvSpPr>
+        <p:spPr/>
+        <p:txBody>
+          <a:bodyPr/>
+          <a:lstStyle/>
+          <a:p>
+            <a:r>
+              <a:rPr lang="sr-Latn-RS" dirty="0" smtClean="0"/>
+              <a:t>Statičke metodu su identične statičkim poljima</a:t>
+            </a:r>
+            <a:endParaRPr lang="en-US" dirty="0"/>
+          </a:p>
+        </p:txBody>
+      </p:sp>
+    </p:spTree>
+    <p:extLst>
+      <p:ext uri="{BB962C8B-B14F-4D97-AF65-F5344CB8AC3E}">
+        <p14:creationId xmlns:p14="http://schemas.microsoft.com/office/powerpoint/2010/main" val="1022684833"/>
+      </p:ext>
+    </p:extLst>
+  </p:cSld>
+  <p:clrMapOvr>
+    <a:masterClrMapping/>
+  </p:clrMapOvr>
+</p:sld>
+</file>
+
+<file path=ppt/slides/slide11.xml><?xml version="1.0" encoding="utf-8"?>
+<p:sld xmlns:a="http://schemas.openxmlformats.org/drawingml/2006/main" xmlns:r="http://schemas.openxmlformats.org/officeDocument/2006/relationships" xmlns:p="http://schemas.openxmlformats.org/presentationml/2006/main">
+  <p:cSld>
+    <p:spTree>
+      <p:nvGrpSpPr>
+        <p:cNvPr id="1" name=""/>
+        <p:cNvGrpSpPr/>
+        <p:nvPr/>
+      </p:nvGrpSpPr>
+      <p:grpSpPr>
+        <a:xfrm>
+          <a:off x="0" y="0"/>
+          <a:ext cx="0" cy="0"/>
+          <a:chOff x="0" y="0"/>
+          <a:chExt cx="0" cy="0"/>
+        </a:xfrm>
+      </p:grpSpPr>
+      <p:pic>
+        <p:nvPicPr>
+          <p:cNvPr id="4" name="Picture 3"/>
+          <p:cNvPicPr>
+            <a:picLocks noChangeAspect="1"/>
+          </p:cNvPicPr>
+          <p:nvPr/>
+        </p:nvPicPr>
+        <p:blipFill>
+          <a:blip r:embed="rId2"/>
+          <a:stretch>
+            <a:fillRect/>
+          </a:stretch>
+        </p:blipFill>
+        <p:spPr>
+          <a:xfrm>
+            <a:off x="1903639" y="239757"/>
+            <a:ext cx="7462430" cy="6467439"/>
+          </a:xfrm>
+          <a:prstGeom prst="rect">
+            <a:avLst/>
+          </a:prstGeom>
+        </p:spPr>
+      </p:pic>
+    </p:spTree>
+    <p:extLst>
+      <p:ext uri="{BB962C8B-B14F-4D97-AF65-F5344CB8AC3E}">
+        <p14:creationId xmlns:p14="http://schemas.microsoft.com/office/powerpoint/2010/main" val="1587552318"/>
+      </p:ext>
+    </p:extLst>
+  </p:cSld>
+  <p:clrMapOvr>
+    <a:masterClrMapping/>
+  </p:clrMapOvr>
+</p:sld>
+</file>
+
+<file path=ppt/slides/slide12.xml><?xml version="1.0" encoding="utf-8"?>
+<p:sld xmlns:a="http://schemas.openxmlformats.org/drawingml/2006/main" xmlns:r="http://schemas.openxmlformats.org/officeDocument/2006/relationships" xmlns:p="http://schemas.openxmlformats.org/presentationml/2006/main">
+  <p:cSld>
+    <p:spTree>
+      <p:nvGrpSpPr>
+        <p:cNvPr id="1" name=""/>
+        <p:cNvGrpSpPr/>
+        <p:nvPr/>
+      </p:nvGrpSpPr>
+      <p:grpSpPr>
+        <a:xfrm>
+          <a:off x="0" y="0"/>
+          <a:ext cx="0" cy="0"/>
+          <a:chOff x="0" y="0"/>
+          <a:chExt cx="0" cy="0"/>
+        </a:xfrm>
+      </p:grpSpPr>
+      <p:sp>
+        <p:nvSpPr>
+          <p:cNvPr id="2" name="Title 1"/>
+          <p:cNvSpPr>
+            <a:spLocks noGrp="1"/>
+          </p:cNvSpPr>
+          <p:nvPr>
+            <p:ph type="title"/>
+          </p:nvPr>
+        </p:nvSpPr>
+        <p:spPr/>
+        <p:txBody>
+          <a:bodyPr/>
+          <a:lstStyle/>
+          <a:p>
+            <a:r>
+              <a:rPr lang="sr-Latn-RS" dirty="0" smtClean="0"/>
+              <a:t>Pristup</a:t>
+            </a:r>
+            <a:endParaRPr lang="en-US" dirty="0"/>
+          </a:p>
+        </p:txBody>
+      </p:sp>
+      <p:sp>
+        <p:nvSpPr>
+          <p:cNvPr id="3" name="Content Placeholder 2"/>
+          <p:cNvSpPr>
+            <a:spLocks noGrp="1"/>
+          </p:cNvSpPr>
+          <p:nvPr>
+            <p:ph idx="1"/>
+          </p:nvPr>
+        </p:nvSpPr>
+        <p:spPr/>
+        <p:txBody>
+          <a:bodyPr/>
+          <a:lstStyle/>
+          <a:p>
+            <a:r>
+              <a:rPr lang="sr-Latn-RS" dirty="0" smtClean="0"/>
+              <a:t>Polja i metode unutar klase mogu biti ili javna ili </a:t>
+            </a:r>
+            <a:r>
+              <a:rPr lang="sr-Latn-RS" dirty="0" smtClean="0"/>
+              <a:t>privatna</a:t>
+            </a:r>
+          </a:p>
+          <a:p>
+            <a:r>
+              <a:rPr lang="sr-Latn-RS" dirty="0" smtClean="0"/>
+              <a:t>Javnim poljima može pristupiti svako</a:t>
+            </a:r>
+          </a:p>
+          <a:p>
+            <a:r>
+              <a:rPr lang="sr-Latn-RS" dirty="0" smtClean="0"/>
+              <a:t>Privatnim poljima možemo pristupiti samo unutar klase</a:t>
+            </a:r>
+            <a:endParaRPr lang="en-US" dirty="0"/>
+          </a:p>
+        </p:txBody>
+      </p:sp>
+    </p:spTree>
+    <p:extLst>
+      <p:ext uri="{BB962C8B-B14F-4D97-AF65-F5344CB8AC3E}">
+        <p14:creationId xmlns:p14="http://schemas.microsoft.com/office/powerpoint/2010/main" val="222396932"/>
+      </p:ext>
+    </p:extLst>
+  </p:cSld>
+  <p:clrMapOvr>
+    <a:masterClrMapping/>
+  </p:clrMapOvr>
+</p:sld>
+</file>
+
+<file path=ppt/slides/slide13.xml><?xml version="1.0" encoding="utf-8"?>
+<p:sld xmlns:a="http://schemas.openxmlformats.org/drawingml/2006/main" xmlns:r="http://schemas.openxmlformats.org/officeDocument/2006/relationships" xmlns:p="http://schemas.openxmlformats.org/presentationml/2006/main">
+  <p:cSld>
+    <p:spTree>
+      <p:nvGrpSpPr>
+        <p:cNvPr id="1" name=""/>
+        <p:cNvGrpSpPr/>
+        <p:nvPr/>
+      </p:nvGrpSpPr>
+      <p:grpSpPr>
+        <a:xfrm>
+          <a:off x="0" y="0"/>
+          <a:ext cx="0" cy="0"/>
+          <a:chOff x="0" y="0"/>
+          <a:chExt cx="0" cy="0"/>
+        </a:xfrm>
+      </p:grpSpPr>
+      <p:sp>
+        <p:nvSpPr>
+          <p:cNvPr id="2" name="Title 1"/>
+          <p:cNvSpPr>
+            <a:spLocks noGrp="1"/>
+          </p:cNvSpPr>
+          <p:nvPr>
+            <p:ph type="title"/>
+          </p:nvPr>
+        </p:nvSpPr>
+        <p:spPr/>
+        <p:txBody>
+          <a:bodyPr/>
+          <a:lstStyle/>
+          <a:p>
+            <a:r>
+              <a:rPr lang="sr-Latn-RS" dirty="0" smtClean="0"/>
+              <a:t>Privatna Polja</a:t>
+            </a:r>
+            <a:endParaRPr lang="en-US" dirty="0"/>
+          </a:p>
+        </p:txBody>
+      </p:sp>
+      <p:sp>
+        <p:nvSpPr>
+          <p:cNvPr id="3" name="Content Placeholder 2"/>
+          <p:cNvSpPr>
+            <a:spLocks noGrp="1"/>
+          </p:cNvSpPr>
+          <p:nvPr>
+            <p:ph idx="1"/>
+          </p:nvPr>
+        </p:nvSpPr>
+        <p:spPr/>
+        <p:txBody>
+          <a:bodyPr/>
+          <a:lstStyle/>
+          <a:p>
+            <a:r>
+              <a:rPr lang="sr-Latn-RS" dirty="0" smtClean="0"/>
+              <a:t>U JavaScriptu privatna polja se kreiraju stavljanjem znak # ispred imena polja</a:t>
+            </a:r>
+          </a:p>
+          <a:p>
+            <a:r>
+              <a:rPr lang="sr-Latn-RS" dirty="0" smtClean="0"/>
+              <a:t>Poželjno je da definišemo naša polja kao privatna i dodamo odgovarajuće metoda za njihovu izmenu kako bi zaštitili podatke od neželjenog uticaja</a:t>
+            </a:r>
+          </a:p>
+          <a:p>
+            <a:r>
+              <a:rPr lang="sr-Latn-RS" dirty="0" smtClean="0"/>
+              <a:t>Ovim se postiže enkapsulacija</a:t>
+            </a:r>
+            <a:endParaRPr lang="en-US" dirty="0"/>
+          </a:p>
+        </p:txBody>
+      </p:sp>
+    </p:spTree>
+    <p:extLst>
+      <p:ext uri="{BB962C8B-B14F-4D97-AF65-F5344CB8AC3E}">
+        <p14:creationId xmlns:p14="http://schemas.microsoft.com/office/powerpoint/2010/main" val="2671112766"/>
+      </p:ext>
+    </p:extLst>
+  </p:cSld>
+  <p:clrMapOvr>
+    <a:masterClrMapping/>
+  </p:clrMapOvr>
+</p:sld>
+</file>
+
+<file path=ppt/slides/slide14.xml><?xml version="1.0" encoding="utf-8"?>
+<p:sld xmlns:a="http://schemas.openxmlformats.org/drawingml/2006/main" xmlns:r="http://schemas.openxmlformats.org/officeDocument/2006/relationships" xmlns:p="http://schemas.openxmlformats.org/presentationml/2006/main">
+  <p:cSld>
+    <p:spTree>
+      <p:nvGrpSpPr>
+        <p:cNvPr id="1" name=""/>
+        <p:cNvGrpSpPr/>
+        <p:nvPr/>
+      </p:nvGrpSpPr>
+      <p:grpSpPr>
+        <a:xfrm>
+          <a:off x="0" y="0"/>
+          <a:ext cx="0" cy="0"/>
+          <a:chOff x="0" y="0"/>
+          <a:chExt cx="0" cy="0"/>
+        </a:xfrm>
+      </p:grpSpPr>
+      <p:pic>
+        <p:nvPicPr>
+          <p:cNvPr id="5" name="Picture 4"/>
+          <p:cNvPicPr>
+            <a:picLocks noChangeAspect="1"/>
+          </p:cNvPicPr>
+          <p:nvPr/>
+        </p:nvPicPr>
+        <p:blipFill>
+          <a:blip r:embed="rId2"/>
+          <a:stretch>
+            <a:fillRect/>
+          </a:stretch>
+        </p:blipFill>
+        <p:spPr>
+          <a:xfrm>
+            <a:off x="2560455" y="103686"/>
+            <a:ext cx="6622733" cy="6583076"/>
+          </a:xfrm>
+          <a:prstGeom prst="rect">
+            <a:avLst/>
+          </a:prstGeom>
+        </p:spPr>
+      </p:pic>
+    </p:spTree>
+    <p:extLst>
+      <p:ext uri="{BB962C8B-B14F-4D97-AF65-F5344CB8AC3E}">
+        <p14:creationId xmlns:p14="http://schemas.microsoft.com/office/powerpoint/2010/main" val="362882652"/>
+      </p:ext>
+    </p:extLst>
+  </p:cSld>
+  <p:clrMapOvr>
+    <a:masterClrMapping/>
+  </p:clrMapOvr>
+</p:sld>
+</file>
+
+<file path=ppt/slides/slide15.xml><?xml version="1.0" encoding="utf-8"?>
+<p:sld xmlns:a="http://schemas.openxmlformats.org/drawingml/2006/main" xmlns:r="http://schemas.openxmlformats.org/officeDocument/2006/relationships" xmlns:p="http://schemas.openxmlformats.org/presentationml/2006/main">
+  <p:cSld>
+    <p:spTree>
+      <p:nvGrpSpPr>
+        <p:cNvPr id="1" name=""/>
+        <p:cNvGrpSpPr/>
+        <p:nvPr/>
+      </p:nvGrpSpPr>
+      <p:grpSpPr>
+        <a:xfrm>
+          <a:off x="0" y="0"/>
+          <a:ext cx="0" cy="0"/>
+          <a:chOff x="0" y="0"/>
+          <a:chExt cx="0" cy="0"/>
+        </a:xfrm>
+      </p:grpSpPr>
+      <p:sp>
+        <p:nvSpPr>
+          <p:cNvPr id="2" name="Title 1"/>
+          <p:cNvSpPr>
+            <a:spLocks noGrp="1"/>
+          </p:cNvSpPr>
+          <p:nvPr>
+            <p:ph type="title"/>
+          </p:nvPr>
+        </p:nvSpPr>
+        <p:spPr/>
+        <p:txBody>
+          <a:bodyPr/>
+          <a:lstStyle/>
+          <a:p>
+            <a:r>
+              <a:rPr lang="sr-Latn-RS" dirty="0" smtClean="0"/>
+              <a:t>Privatne metode</a:t>
+            </a:r>
+            <a:endParaRPr lang="en-US" dirty="0"/>
+          </a:p>
+        </p:txBody>
+      </p:sp>
+      <p:sp>
+        <p:nvSpPr>
+          <p:cNvPr id="3" name="Content Placeholder 2"/>
+          <p:cNvSpPr>
+            <a:spLocks noGrp="1"/>
+          </p:cNvSpPr>
+          <p:nvPr>
+            <p:ph idx="1"/>
+          </p:nvPr>
+        </p:nvSpPr>
+        <p:spPr/>
+        <p:txBody>
+          <a:bodyPr/>
+          <a:lstStyle/>
+          <a:p>
+            <a:r>
+              <a:rPr lang="sr-Latn-RS" dirty="0" smtClean="0"/>
+              <a:t>Privatne metode su identične privatnim svojstima</a:t>
+            </a:r>
+          </a:p>
+          <a:p>
+            <a:r>
+              <a:rPr lang="sr-Latn-RS" dirty="0" smtClean="0"/>
+              <a:t>Kreiraju se stavljanjem # ispred imena i mogu se koristiti samo unutar objekta</a:t>
+            </a:r>
+            <a:endParaRPr lang="sr-Latn-RS" dirty="0"/>
+          </a:p>
+        </p:txBody>
+      </p:sp>
+    </p:spTree>
+    <p:extLst>
+      <p:ext uri="{BB962C8B-B14F-4D97-AF65-F5344CB8AC3E}">
+        <p14:creationId xmlns:p14="http://schemas.microsoft.com/office/powerpoint/2010/main" val="2009161098"/>
+      </p:ext>
+    </p:extLst>
+  </p:cSld>
+  <p:clrMapOvr>
+    <a:masterClrMapping/>
+  </p:clrMapOvr>
+</p:sld>
+</file>
+
+<file path=ppt/slides/slide16.xml><?xml version="1.0" encoding="utf-8"?>
+<p:sld xmlns:a="http://schemas.openxmlformats.org/drawingml/2006/main" xmlns:r="http://schemas.openxmlformats.org/officeDocument/2006/relationships" xmlns:p="http://schemas.openxmlformats.org/presentationml/2006/main">
+  <p:cSld>
+    <p:spTree>
+      <p:nvGrpSpPr>
+        <p:cNvPr id="1" name=""/>
+        <p:cNvGrpSpPr/>
+        <p:nvPr/>
+      </p:nvGrpSpPr>
+      <p:grpSpPr>
+        <a:xfrm>
+          <a:off x="0" y="0"/>
+          <a:ext cx="0" cy="0"/>
+          <a:chOff x="0" y="0"/>
+          <a:chExt cx="0" cy="0"/>
+        </a:xfrm>
+      </p:grpSpPr>
+      <p:pic>
+        <p:nvPicPr>
+          <p:cNvPr id="4" name="Picture 3"/>
+          <p:cNvPicPr>
+            <a:picLocks noChangeAspect="1"/>
+          </p:cNvPicPr>
+          <p:nvPr/>
+        </p:nvPicPr>
+        <p:blipFill>
+          <a:blip r:embed="rId2"/>
+          <a:stretch>
+            <a:fillRect/>
+          </a:stretch>
+        </p:blipFill>
+        <p:spPr>
+          <a:xfrm>
+            <a:off x="2585357" y="103278"/>
+            <a:ext cx="6336574" cy="6676033"/>
+          </a:xfrm>
+          <a:prstGeom prst="rect">
+            <a:avLst/>
+          </a:prstGeom>
+        </p:spPr>
+      </p:pic>
+    </p:spTree>
+    <p:extLst>
+      <p:ext uri="{BB962C8B-B14F-4D97-AF65-F5344CB8AC3E}">
+        <p14:creationId xmlns:p14="http://schemas.microsoft.com/office/powerpoint/2010/main" val="3228429551"/>
+      </p:ext>
+    </p:extLst>
+  </p:cSld>
+  <p:clrMapOvr>
+    <a:masterClrMapping/>
+  </p:clrMapOvr>
+</p:sld>
+</file>
+
 <file path=ppt/slides/slide2.xml><?xml version="1.0" encoding="utf-8"?>
 <p:sld xmlns:a="http://schemas.openxmlformats.org/drawingml/2006/main" xmlns:r="http://schemas.openxmlformats.org/officeDocument/2006/relationships" xmlns:p="http://schemas.openxmlformats.org/presentationml/2006/main">
   <p:cSld>
@@ -13079,7 +13591,9 @@
         </p:nvSpPr>
         <p:spPr/>
         <p:txBody>
-          <a:bodyPr/>
+          <a:bodyPr>
+            <a:normAutofit lnSpcReduction="10000"/>
+          </a:bodyPr>
           <a:lstStyle/>
           <a:p>
             <a:r>
@@ -13161,7 +13675,9 @@
         </p:nvSpPr>
         <p:spPr/>
         <p:txBody>
-          <a:bodyPr/>
+          <a:bodyPr>
+            <a:normAutofit fontScale="92500"/>
+          </a:bodyPr>
           <a:lstStyle/>
           <a:p>
             <a:r>
@@ -13214,56 +13730,34 @@
           <a:chExt cx="0" cy="0"/>
         </a:xfrm>
       </p:grpSpPr>
-      <p:sp>
-        <p:nvSpPr>
-          <p:cNvPr id="2" name="Title 1"/>
-          <p:cNvSpPr>
-            <a:spLocks noGrp="1"/>
-          </p:cNvSpPr>
-          <p:nvPr>
-            <p:ph type="title"/>
-          </p:nvPr>
-        </p:nvSpPr>
-        <p:spPr/>
-        <p:txBody>
-          <a:bodyPr/>
-          <a:lstStyle/>
-          <a:p>
-            <a:r>
-              <a:rPr lang="sr-Latn-RS" dirty="0" smtClean="0"/>
-              <a:t>Pristup</a:t>
-            </a:r>
-            <a:endParaRPr lang="en-US" dirty="0"/>
-          </a:p>
-        </p:txBody>
-      </p:sp>
-      <p:sp>
-        <p:nvSpPr>
-          <p:cNvPr id="3" name="Content Placeholder 2"/>
-          <p:cNvSpPr>
-            <a:spLocks noGrp="1"/>
-          </p:cNvSpPr>
-          <p:nvPr>
-            <p:ph idx="1"/>
-          </p:nvPr>
-        </p:nvSpPr>
-        <p:spPr/>
-        <p:txBody>
-          <a:bodyPr/>
-          <a:lstStyle/>
-          <a:p>
-            <a:r>
-              <a:rPr lang="sr-Latn-RS" dirty="0" smtClean="0"/>
-              <a:t>Polja i metode unutar klase mogu biti ili javna ili privatna</a:t>
-            </a:r>
-            <a:endParaRPr lang="en-US" dirty="0"/>
-          </a:p>
-        </p:txBody>
-      </p:sp>
+      <p:pic>
+        <p:nvPicPr>
+          <p:cNvPr id="4" name="Picture 3"/>
+          <p:cNvPicPr>
+            <a:picLocks noChangeAspect="1"/>
+          </p:cNvPicPr>
+          <p:nvPr/>
+        </p:nvPicPr>
+        <p:blipFill>
+          <a:blip r:embed="rId2"/>
+          <a:stretch>
+            <a:fillRect/>
+          </a:stretch>
+        </p:blipFill>
+        <p:spPr>
+          <a:xfrm>
+            <a:off x="2452414" y="229824"/>
+            <a:ext cx="6626272" cy="6264540"/>
+          </a:xfrm>
+          <a:prstGeom prst="rect">
+            <a:avLst/>
+          </a:prstGeom>
+        </p:spPr>
+      </p:pic>
     </p:spTree>
     <p:extLst>
       <p:ext uri="{BB962C8B-B14F-4D97-AF65-F5344CB8AC3E}">
-        <p14:creationId xmlns:p14="http://schemas.microsoft.com/office/powerpoint/2010/main" val="222396932"/>
+        <p14:creationId xmlns:p14="http://schemas.microsoft.com/office/powerpoint/2010/main" val="559705708"/>
       </p:ext>
     </p:extLst>
   </p:cSld>

--- a/JavaScript/Napredno/prezentacije/18. Objektno orijentisano programiranje u javascriptu.pptx
+++ b/JavaScript/Napredno/prezentacije/18. Objektno orijentisano programiranje u javascriptu.pptx
@@ -21,6 +21,10 @@
     <p:sldId id="269" r:id="rId15"/>
     <p:sldId id="270" r:id="rId16"/>
     <p:sldId id="271" r:id="rId17"/>
+    <p:sldId id="272" r:id="rId18"/>
+    <p:sldId id="273" r:id="rId19"/>
+    <p:sldId id="274" r:id="rId20"/>
+    <p:sldId id="275" r:id="rId21"/>
   </p:sldIdLst>
   <p:sldSz cx="12192000" cy="6858000"/>
   <p:notesSz cx="6858000" cy="9144000"/>
@@ -177,7 +181,7 @@
           <a:noFill/>
           <a:extLst>
             <a:ext uri="{909E8E84-426E-40dd-AFC4-6F175D3DCCD1}">
-              <a14:hiddenFill xmlns="" xmlns:a14="http://schemas.microsoft.com/office/drawing/2010/main">
+              <a14:hiddenFill xmlns:a14="http://schemas.microsoft.com/office/drawing/2010/main" xmlns="">
                 <a:solidFill>
                   <a:srgbClr val="FFFFFF"/>
                 </a:solidFill>
@@ -237,7 +241,7 @@
             </a:ln>
             <a:extLst>
               <a:ext uri="{91240B29-F687-4f45-9708-019B960494DF}">
-                <a14:hiddenLine xmlns="" xmlns:a14="http://schemas.microsoft.com/office/drawing/2010/main" w="9525">
+                <a14:hiddenLine xmlns:a14="http://schemas.microsoft.com/office/drawing/2010/main" xmlns="" w="9525">
                   <a:solidFill>
                     <a:srgbClr val="000000"/>
                   </a:solidFill>
@@ -327,7 +331,7 @@
             </a:ln>
             <a:extLst>
               <a:ext uri="{91240B29-F687-4f45-9708-019B960494DF}">
-                <a14:hiddenLine xmlns="" xmlns:a14="http://schemas.microsoft.com/office/drawing/2010/main" w="9525">
+                <a14:hiddenLine xmlns:a14="http://schemas.microsoft.com/office/drawing/2010/main" xmlns="" w="9525">
                   <a:solidFill>
                     <a:srgbClr val="000000"/>
                   </a:solidFill>
@@ -417,7 +421,7 @@
             </a:ln>
             <a:extLst>
               <a:ext uri="{91240B29-F687-4f45-9708-019B960494DF}">
-                <a14:hiddenLine xmlns="" xmlns:a14="http://schemas.microsoft.com/office/drawing/2010/main" w="9525">
+                <a14:hiddenLine xmlns:a14="http://schemas.microsoft.com/office/drawing/2010/main" xmlns="" w="9525">
                   <a:solidFill>
                     <a:srgbClr val="000000"/>
                   </a:solidFill>
@@ -451,7 +455,7 @@
             </a:ln>
             <a:extLst>
               <a:ext uri="{91240B29-F687-4f45-9708-019B960494DF}">
-                <a14:hiddenLine xmlns="" xmlns:a14="http://schemas.microsoft.com/office/drawing/2010/main" w="9525">
+                <a14:hiddenLine xmlns:a14="http://schemas.microsoft.com/office/drawing/2010/main" xmlns="" w="9525">
                   <a:solidFill>
                     <a:srgbClr val="000000"/>
                   </a:solidFill>
@@ -541,7 +545,7 @@
             </a:ln>
             <a:extLst>
               <a:ext uri="{91240B29-F687-4f45-9708-019B960494DF}">
-                <a14:hiddenLine xmlns="" xmlns:a14="http://schemas.microsoft.com/office/drawing/2010/main" w="9525">
+                <a14:hiddenLine xmlns:a14="http://schemas.microsoft.com/office/drawing/2010/main" xmlns="" w="9525">
                   <a:solidFill>
                     <a:srgbClr val="000000"/>
                   </a:solidFill>
@@ -603,7 +607,7 @@
             </a:ln>
             <a:extLst>
               <a:ext uri="{91240B29-F687-4f45-9708-019B960494DF}">
-                <a14:hiddenLine xmlns="" xmlns:a14="http://schemas.microsoft.com/office/drawing/2010/main" w="9525">
+                <a14:hiddenLine xmlns:a14="http://schemas.microsoft.com/office/drawing/2010/main" xmlns="" w="9525">
                   <a:solidFill>
                     <a:srgbClr val="000000"/>
                   </a:solidFill>
@@ -665,7 +669,7 @@
             </a:ln>
             <a:extLst>
               <a:ext uri="{91240B29-F687-4f45-9708-019B960494DF}">
-                <a14:hiddenLine xmlns="" xmlns:a14="http://schemas.microsoft.com/office/drawing/2010/main" w="9525">
+                <a14:hiddenLine xmlns:a14="http://schemas.microsoft.com/office/drawing/2010/main" xmlns="" w="9525">
                   <a:solidFill>
                     <a:srgbClr val="000000"/>
                   </a:solidFill>
@@ -755,7 +759,7 @@
             </a:ln>
             <a:extLst>
               <a:ext uri="{91240B29-F687-4f45-9708-019B960494DF}">
-                <a14:hiddenLine xmlns="" xmlns:a14="http://schemas.microsoft.com/office/drawing/2010/main" w="9525">
+                <a14:hiddenLine xmlns:a14="http://schemas.microsoft.com/office/drawing/2010/main" xmlns="" w="9525">
                   <a:solidFill>
                     <a:srgbClr val="000000"/>
                   </a:solidFill>
@@ -817,7 +821,7 @@
             </a:ln>
             <a:extLst>
               <a:ext uri="{91240B29-F687-4f45-9708-019B960494DF}">
-                <a14:hiddenLine xmlns="" xmlns:a14="http://schemas.microsoft.com/office/drawing/2010/main" w="9525">
+                <a14:hiddenLine xmlns:a14="http://schemas.microsoft.com/office/drawing/2010/main" xmlns="" w="9525">
                   <a:solidFill>
                     <a:srgbClr val="000000"/>
                   </a:solidFill>
@@ -879,7 +883,7 @@
             </a:ln>
             <a:extLst>
               <a:ext uri="{91240B29-F687-4f45-9708-019B960494DF}">
-                <a14:hiddenLine xmlns="" xmlns:a14="http://schemas.microsoft.com/office/drawing/2010/main" w="9525">
+                <a14:hiddenLine xmlns:a14="http://schemas.microsoft.com/office/drawing/2010/main" xmlns="" w="9525">
                   <a:solidFill>
                     <a:srgbClr val="000000"/>
                   </a:solidFill>
@@ -969,7 +973,7 @@
             </a:ln>
             <a:extLst>
               <a:ext uri="{91240B29-F687-4f45-9708-019B960494DF}">
-                <a14:hiddenLine xmlns="" xmlns:a14="http://schemas.microsoft.com/office/drawing/2010/main" w="9525">
+                <a14:hiddenLine xmlns:a14="http://schemas.microsoft.com/office/drawing/2010/main" xmlns="" w="9525">
                   <a:solidFill>
                     <a:srgbClr val="000000"/>
                   </a:solidFill>
@@ -1059,7 +1063,7 @@
             </a:ln>
             <a:extLst>
               <a:ext uri="{91240B29-F687-4f45-9708-019B960494DF}">
-                <a14:hiddenLine xmlns="" xmlns:a14="http://schemas.microsoft.com/office/drawing/2010/main" w="9525">
+                <a14:hiddenLine xmlns:a14="http://schemas.microsoft.com/office/drawing/2010/main" xmlns="" w="9525">
                   <a:solidFill>
                     <a:srgbClr val="000000"/>
                   </a:solidFill>
@@ -1121,7 +1125,7 @@
             </a:ln>
             <a:extLst>
               <a:ext uri="{91240B29-F687-4f45-9708-019B960494DF}">
-                <a14:hiddenLine xmlns="" xmlns:a14="http://schemas.microsoft.com/office/drawing/2010/main" w="9525">
+                <a14:hiddenLine xmlns:a14="http://schemas.microsoft.com/office/drawing/2010/main" xmlns="" w="9525">
                   <a:solidFill>
                     <a:srgbClr val="000000"/>
                   </a:solidFill>
@@ -1231,7 +1235,7 @@
             </a:ln>
             <a:extLst>
               <a:ext uri="{91240B29-F687-4f45-9708-019B960494DF}">
-                <a14:hiddenLine xmlns="" xmlns:a14="http://schemas.microsoft.com/office/drawing/2010/main" w="9525">
+                <a14:hiddenLine xmlns:a14="http://schemas.microsoft.com/office/drawing/2010/main" xmlns="" w="9525">
                   <a:solidFill>
                     <a:srgbClr val="000000"/>
                   </a:solidFill>
@@ -1293,7 +1297,7 @@
             </a:ln>
             <a:extLst>
               <a:ext uri="{91240B29-F687-4f45-9708-019B960494DF}">
-                <a14:hiddenLine xmlns="" xmlns:a14="http://schemas.microsoft.com/office/drawing/2010/main" w="9525">
+                <a14:hiddenLine xmlns:a14="http://schemas.microsoft.com/office/drawing/2010/main" xmlns="" w="9525">
                   <a:solidFill>
                     <a:srgbClr val="000000"/>
                   </a:solidFill>
@@ -1383,7 +1387,7 @@
             </a:ln>
             <a:extLst>
               <a:ext uri="{91240B29-F687-4f45-9708-019B960494DF}">
-                <a14:hiddenLine xmlns="" xmlns:a14="http://schemas.microsoft.com/office/drawing/2010/main" w="9525">
+                <a14:hiddenLine xmlns:a14="http://schemas.microsoft.com/office/drawing/2010/main" xmlns="" w="9525">
                   <a:solidFill>
                     <a:srgbClr val="000000"/>
                   </a:solidFill>
@@ -1473,7 +1477,7 @@
             </a:ln>
             <a:extLst>
               <a:ext uri="{91240B29-F687-4f45-9708-019B960494DF}">
-                <a14:hiddenLine xmlns="" xmlns:a14="http://schemas.microsoft.com/office/drawing/2010/main" w="9525">
+                <a14:hiddenLine xmlns:a14="http://schemas.microsoft.com/office/drawing/2010/main" xmlns="" w="9525">
                   <a:solidFill>
                     <a:srgbClr val="000000"/>
                   </a:solidFill>
@@ -1535,7 +1539,7 @@
             </a:ln>
             <a:extLst>
               <a:ext uri="{91240B29-F687-4f45-9708-019B960494DF}">
-                <a14:hiddenLine xmlns="" xmlns:a14="http://schemas.microsoft.com/office/drawing/2010/main" w="9525">
+                <a14:hiddenLine xmlns:a14="http://schemas.microsoft.com/office/drawing/2010/main" xmlns="" w="9525">
                   <a:solidFill>
                     <a:srgbClr val="000000"/>
                   </a:solidFill>
@@ -1625,7 +1629,7 @@
             </a:ln>
             <a:extLst>
               <a:ext uri="{91240B29-F687-4f45-9708-019B960494DF}">
-                <a14:hiddenLine xmlns="" xmlns:a14="http://schemas.microsoft.com/office/drawing/2010/main" w="9525">
+                <a14:hiddenLine xmlns:a14="http://schemas.microsoft.com/office/drawing/2010/main" xmlns="" w="9525">
                   <a:solidFill>
                     <a:srgbClr val="000000"/>
                   </a:solidFill>
@@ -1715,7 +1719,7 @@
             </a:ln>
             <a:extLst>
               <a:ext uri="{91240B29-F687-4f45-9708-019B960494DF}">
-                <a14:hiddenLine xmlns="" xmlns:a14="http://schemas.microsoft.com/office/drawing/2010/main" w="9525">
+                <a14:hiddenLine xmlns:a14="http://schemas.microsoft.com/office/drawing/2010/main" xmlns="" w="9525">
                   <a:solidFill>
                     <a:srgbClr val="000000"/>
                   </a:solidFill>
@@ -1771,7 +1775,7 @@
             </a:ln>
             <a:extLst>
               <a:ext uri="{91240B29-F687-4f45-9708-019B960494DF}">
-                <a14:hiddenLine xmlns="" xmlns:a14="http://schemas.microsoft.com/office/drawing/2010/main" w="9525">
+                <a14:hiddenLine xmlns:a14="http://schemas.microsoft.com/office/drawing/2010/main" xmlns="" w="9525">
                   <a:solidFill>
                     <a:srgbClr val="000000"/>
                   </a:solidFill>
@@ -1861,7 +1865,7 @@
             </a:ln>
             <a:extLst>
               <a:ext uri="{91240B29-F687-4f45-9708-019B960494DF}">
-                <a14:hiddenLine xmlns="" xmlns:a14="http://schemas.microsoft.com/office/drawing/2010/main" w="9525">
+                <a14:hiddenLine xmlns:a14="http://schemas.microsoft.com/office/drawing/2010/main" xmlns="" w="9525">
                   <a:solidFill>
                     <a:srgbClr val="000000"/>
                   </a:solidFill>
@@ -1917,7 +1921,7 @@
             </a:ln>
             <a:extLst>
               <a:ext uri="{91240B29-F687-4f45-9708-019B960494DF}">
-                <a14:hiddenLine xmlns="" xmlns:a14="http://schemas.microsoft.com/office/drawing/2010/main" w="9525">
+                <a14:hiddenLine xmlns:a14="http://schemas.microsoft.com/office/drawing/2010/main" xmlns="" w="9525">
                   <a:solidFill>
                     <a:srgbClr val="000000"/>
                   </a:solidFill>
@@ -2007,7 +2011,7 @@
             </a:ln>
             <a:extLst>
               <a:ext uri="{91240B29-F687-4f45-9708-019B960494DF}">
-                <a14:hiddenLine xmlns="" xmlns:a14="http://schemas.microsoft.com/office/drawing/2010/main" w="9525">
+                <a14:hiddenLine xmlns:a14="http://schemas.microsoft.com/office/drawing/2010/main" xmlns="" w="9525">
                   <a:solidFill>
                     <a:srgbClr val="000000"/>
                   </a:solidFill>
@@ -2075,7 +2079,7 @@
             </a:ln>
             <a:extLst>
               <a:ext uri="{91240B29-F687-4f45-9708-019B960494DF}">
-                <a14:hiddenLine xmlns="" xmlns:a14="http://schemas.microsoft.com/office/drawing/2010/main" w="9525">
+                <a14:hiddenLine xmlns:a14="http://schemas.microsoft.com/office/drawing/2010/main" xmlns="" w="9525">
                   <a:solidFill>
                     <a:srgbClr val="000000"/>
                   </a:solidFill>
@@ -2165,7 +2169,7 @@
             </a:ln>
             <a:extLst>
               <a:ext uri="{91240B29-F687-4f45-9708-019B960494DF}">
-                <a14:hiddenLine xmlns="" xmlns:a14="http://schemas.microsoft.com/office/drawing/2010/main" w="9525">
+                <a14:hiddenLine xmlns:a14="http://schemas.microsoft.com/office/drawing/2010/main" xmlns="" w="9525">
                   <a:solidFill>
                     <a:srgbClr val="000000"/>
                   </a:solidFill>
@@ -2233,7 +2237,7 @@
             </a:ln>
             <a:extLst>
               <a:ext uri="{91240B29-F687-4f45-9708-019B960494DF}">
-                <a14:hiddenLine xmlns="" xmlns:a14="http://schemas.microsoft.com/office/drawing/2010/main" w="9525">
+                <a14:hiddenLine xmlns:a14="http://schemas.microsoft.com/office/drawing/2010/main" xmlns="" w="9525">
                   <a:solidFill>
                     <a:srgbClr val="000000"/>
                   </a:solidFill>
@@ -2323,7 +2327,7 @@
             </a:ln>
             <a:extLst>
               <a:ext uri="{91240B29-F687-4f45-9708-019B960494DF}">
-                <a14:hiddenLine xmlns="" xmlns:a14="http://schemas.microsoft.com/office/drawing/2010/main" w="9525">
+                <a14:hiddenLine xmlns:a14="http://schemas.microsoft.com/office/drawing/2010/main" xmlns="" w="9525">
                   <a:solidFill>
                     <a:srgbClr val="000000"/>
                   </a:solidFill>
@@ -2357,7 +2361,7 @@
             </a:ln>
             <a:extLst>
               <a:ext uri="{91240B29-F687-4f45-9708-019B960494DF}">
-                <a14:hiddenLine xmlns="" xmlns:a14="http://schemas.microsoft.com/office/drawing/2010/main" w="9525">
+                <a14:hiddenLine xmlns:a14="http://schemas.microsoft.com/office/drawing/2010/main" xmlns="" w="9525">
                   <a:solidFill>
                     <a:srgbClr val="000000"/>
                   </a:solidFill>
@@ -2447,7 +2451,7 @@
             </a:ln>
             <a:extLst>
               <a:ext uri="{91240B29-F687-4f45-9708-019B960494DF}">
-                <a14:hiddenLine xmlns="" xmlns:a14="http://schemas.microsoft.com/office/drawing/2010/main" w="9525">
+                <a14:hiddenLine xmlns:a14="http://schemas.microsoft.com/office/drawing/2010/main" xmlns="" w="9525">
                   <a:solidFill>
                     <a:srgbClr val="000000"/>
                   </a:solidFill>
@@ -2509,7 +2513,7 @@
             </a:ln>
             <a:extLst>
               <a:ext uri="{91240B29-F687-4f45-9708-019B960494DF}">
-                <a14:hiddenLine xmlns="" xmlns:a14="http://schemas.microsoft.com/office/drawing/2010/main" w="9525">
+                <a14:hiddenLine xmlns:a14="http://schemas.microsoft.com/office/drawing/2010/main" xmlns="" w="9525">
                   <a:solidFill>
                     <a:srgbClr val="000000"/>
                   </a:solidFill>
@@ -2571,7 +2575,7 @@
             </a:ln>
             <a:extLst>
               <a:ext uri="{91240B29-F687-4f45-9708-019B960494DF}">
-                <a14:hiddenLine xmlns="" xmlns:a14="http://schemas.microsoft.com/office/drawing/2010/main" w="9525">
+                <a14:hiddenLine xmlns:a14="http://schemas.microsoft.com/office/drawing/2010/main" xmlns="" w="9525">
                   <a:solidFill>
                     <a:srgbClr val="000000"/>
                   </a:solidFill>
@@ -2661,7 +2665,7 @@
             </a:ln>
             <a:extLst>
               <a:ext uri="{91240B29-F687-4f45-9708-019B960494DF}">
-                <a14:hiddenLine xmlns="" xmlns:a14="http://schemas.microsoft.com/office/drawing/2010/main" w="9525">
+                <a14:hiddenLine xmlns:a14="http://schemas.microsoft.com/office/drawing/2010/main" xmlns="" w="9525">
                   <a:solidFill>
                     <a:srgbClr val="000000"/>
                   </a:solidFill>
@@ -2729,7 +2733,7 @@
             </a:ln>
             <a:extLst>
               <a:ext uri="{91240B29-F687-4f45-9708-019B960494DF}">
-                <a14:hiddenLine xmlns="" xmlns:a14="http://schemas.microsoft.com/office/drawing/2010/main" w="9525">
+                <a14:hiddenLine xmlns:a14="http://schemas.microsoft.com/office/drawing/2010/main" xmlns="" w="9525">
                   <a:solidFill>
                     <a:srgbClr val="000000"/>
                   </a:solidFill>
@@ -2791,7 +2795,7 @@
             </a:ln>
             <a:extLst>
               <a:ext uri="{91240B29-F687-4f45-9708-019B960494DF}">
-                <a14:hiddenLine xmlns="" xmlns:a14="http://schemas.microsoft.com/office/drawing/2010/main" w="9525">
+                <a14:hiddenLine xmlns:a14="http://schemas.microsoft.com/office/drawing/2010/main" xmlns="" w="9525">
                   <a:solidFill>
                     <a:srgbClr val="000000"/>
                   </a:solidFill>
@@ -2881,7 +2885,7 @@
             </a:ln>
             <a:extLst>
               <a:ext uri="{91240B29-F687-4f45-9708-019B960494DF}">
-                <a14:hiddenLine xmlns="" xmlns:a14="http://schemas.microsoft.com/office/drawing/2010/main" w="9525">
+                <a14:hiddenLine xmlns:a14="http://schemas.microsoft.com/office/drawing/2010/main" xmlns="" w="9525">
                   <a:solidFill>
                     <a:srgbClr val="000000"/>
                   </a:solidFill>
@@ -2943,7 +2947,7 @@
             </a:ln>
             <a:extLst>
               <a:ext uri="{91240B29-F687-4f45-9708-019B960494DF}">
-                <a14:hiddenLine xmlns="" xmlns:a14="http://schemas.microsoft.com/office/drawing/2010/main" w="9525">
+                <a14:hiddenLine xmlns:a14="http://schemas.microsoft.com/office/drawing/2010/main" xmlns="" w="9525">
                   <a:solidFill>
                     <a:srgbClr val="000000"/>
                   </a:solidFill>
@@ -3033,7 +3037,7 @@
             </a:ln>
             <a:extLst>
               <a:ext uri="{91240B29-F687-4f45-9708-019B960494DF}">
-                <a14:hiddenLine xmlns="" xmlns:a14="http://schemas.microsoft.com/office/drawing/2010/main" w="9525">
+                <a14:hiddenLine xmlns:a14="http://schemas.microsoft.com/office/drawing/2010/main" xmlns="" w="9525">
                   <a:solidFill>
                     <a:srgbClr val="000000"/>
                   </a:solidFill>
@@ -3095,7 +3099,7 @@
             </a:ln>
             <a:extLst>
               <a:ext uri="{91240B29-F687-4f45-9708-019B960494DF}">
-                <a14:hiddenLine xmlns="" xmlns:a14="http://schemas.microsoft.com/office/drawing/2010/main" w="9525">
+                <a14:hiddenLine xmlns:a14="http://schemas.microsoft.com/office/drawing/2010/main" xmlns="" w="9525">
                   <a:solidFill>
                     <a:srgbClr val="000000"/>
                   </a:solidFill>
@@ -3185,7 +3189,7 @@
             </a:ln>
             <a:extLst>
               <a:ext uri="{91240B29-F687-4f45-9708-019B960494DF}">
-                <a14:hiddenLine xmlns="" xmlns:a14="http://schemas.microsoft.com/office/drawing/2010/main" w="9525">
+                <a14:hiddenLine xmlns:a14="http://schemas.microsoft.com/office/drawing/2010/main" xmlns="" w="9525">
                   <a:solidFill>
                     <a:srgbClr val="000000"/>
                   </a:solidFill>
@@ -3219,7 +3223,7 @@
             </a:ln>
             <a:extLst>
               <a:ext uri="{91240B29-F687-4f45-9708-019B960494DF}">
-                <a14:hiddenLine xmlns="" xmlns:a14="http://schemas.microsoft.com/office/drawing/2010/main" w="9525">
+                <a14:hiddenLine xmlns:a14="http://schemas.microsoft.com/office/drawing/2010/main" xmlns="" w="9525">
                   <a:solidFill>
                     <a:srgbClr val="000000"/>
                   </a:solidFill>
@@ -3284,7 +3288,7 @@
             </a:ln>
             <a:extLst>
               <a:ext uri="{91240B29-F687-4f45-9708-019B960494DF}">
-                <a14:hiddenLine xmlns="" xmlns:a14="http://schemas.microsoft.com/office/drawing/2010/main" w="9525">
+                <a14:hiddenLine xmlns:a14="http://schemas.microsoft.com/office/drawing/2010/main" xmlns="" w="9525">
                   <a:solidFill>
                     <a:srgbClr val="000000"/>
                   </a:solidFill>
@@ -3374,7 +3378,7 @@
             </a:ln>
             <a:extLst>
               <a:ext uri="{91240B29-F687-4f45-9708-019B960494DF}">
-                <a14:hiddenLine xmlns="" xmlns:a14="http://schemas.microsoft.com/office/drawing/2010/main" w="9525">
+                <a14:hiddenLine xmlns:a14="http://schemas.microsoft.com/office/drawing/2010/main" xmlns="" w="9525">
                   <a:solidFill>
                     <a:srgbClr val="000000"/>
                   </a:solidFill>
@@ -3436,7 +3440,7 @@
             </a:ln>
             <a:extLst>
               <a:ext uri="{91240B29-F687-4f45-9708-019B960494DF}">
-                <a14:hiddenLine xmlns="" xmlns:a14="http://schemas.microsoft.com/office/drawing/2010/main" w="9525">
+                <a14:hiddenLine xmlns:a14="http://schemas.microsoft.com/office/drawing/2010/main" xmlns="" w="9525">
                   <a:solidFill>
                     <a:srgbClr val="000000"/>
                   </a:solidFill>
@@ -3526,7 +3530,7 @@
             </a:ln>
             <a:extLst>
               <a:ext uri="{91240B29-F687-4f45-9708-019B960494DF}">
-                <a14:hiddenLine xmlns="" xmlns:a14="http://schemas.microsoft.com/office/drawing/2010/main" w="9525">
+                <a14:hiddenLine xmlns:a14="http://schemas.microsoft.com/office/drawing/2010/main" xmlns="" w="9525">
                   <a:solidFill>
                     <a:srgbClr val="000000"/>
                   </a:solidFill>
@@ -3616,7 +3620,7 @@
             </a:ln>
             <a:extLst>
               <a:ext uri="{91240B29-F687-4f45-9708-019B960494DF}">
-                <a14:hiddenLine xmlns="" xmlns:a14="http://schemas.microsoft.com/office/drawing/2010/main" w="9525">
+                <a14:hiddenLine xmlns:a14="http://schemas.microsoft.com/office/drawing/2010/main" xmlns="" w="9525">
                   <a:solidFill>
                     <a:srgbClr val="000000"/>
                   </a:solidFill>
@@ -3681,7 +3685,7 @@
             </a:ln>
             <a:extLst>
               <a:ext uri="{91240B29-F687-4f45-9708-019B960494DF}">
-                <a14:hiddenLine xmlns="" xmlns:a14="http://schemas.microsoft.com/office/drawing/2010/main" w="9525">
+                <a14:hiddenLine xmlns:a14="http://schemas.microsoft.com/office/drawing/2010/main" xmlns="" w="9525">
                   <a:solidFill>
                     <a:srgbClr val="000000"/>
                   </a:solidFill>
@@ -3743,7 +3747,7 @@
             </a:ln>
             <a:extLst>
               <a:ext uri="{91240B29-F687-4f45-9708-019B960494DF}">
-                <a14:hiddenLine xmlns="" xmlns:a14="http://schemas.microsoft.com/office/drawing/2010/main" w="9525">
+                <a14:hiddenLine xmlns:a14="http://schemas.microsoft.com/office/drawing/2010/main" xmlns="" w="9525">
                   <a:solidFill>
                     <a:srgbClr val="000000"/>
                   </a:solidFill>
@@ -3833,7 +3837,7 @@
             </a:ln>
             <a:extLst>
               <a:ext uri="{91240B29-F687-4f45-9708-019B960494DF}">
-                <a14:hiddenLine xmlns="" xmlns:a14="http://schemas.microsoft.com/office/drawing/2010/main" w="9525">
+                <a14:hiddenLine xmlns:a14="http://schemas.microsoft.com/office/drawing/2010/main" xmlns="" w="9525">
                   <a:solidFill>
                     <a:srgbClr val="000000"/>
                   </a:solidFill>
@@ -3923,7 +3927,7 @@
             </a:ln>
             <a:extLst>
               <a:ext uri="{91240B29-F687-4f45-9708-019B960494DF}">
-                <a14:hiddenLine xmlns="" xmlns:a14="http://schemas.microsoft.com/office/drawing/2010/main" w="9525">
+                <a14:hiddenLine xmlns:a14="http://schemas.microsoft.com/office/drawing/2010/main" xmlns="" w="9525">
                   <a:solidFill>
                     <a:srgbClr val="000000"/>
                   </a:solidFill>
@@ -3985,7 +3989,7 @@
             </a:ln>
             <a:extLst>
               <a:ext uri="{91240B29-F687-4f45-9708-019B960494DF}">
-                <a14:hiddenLine xmlns="" xmlns:a14="http://schemas.microsoft.com/office/drawing/2010/main" w="9525">
+                <a14:hiddenLine xmlns:a14="http://schemas.microsoft.com/office/drawing/2010/main" xmlns="" w="9525">
                   <a:solidFill>
                     <a:srgbClr val="000000"/>
                   </a:solidFill>
@@ -4105,7 +4109,7 @@
             </a:ln>
             <a:extLst>
               <a:ext uri="{91240B29-F687-4f45-9708-019B960494DF}">
-                <a14:hiddenLine xmlns="" xmlns:a14="http://schemas.microsoft.com/office/drawing/2010/main" w="9525">
+                <a14:hiddenLine xmlns:a14="http://schemas.microsoft.com/office/drawing/2010/main" xmlns="" w="9525">
                   <a:solidFill>
                     <a:srgbClr val="000000"/>
                   </a:solidFill>
@@ -4173,7 +4177,7 @@
             </a:ln>
             <a:extLst>
               <a:ext uri="{91240B29-F687-4f45-9708-019B960494DF}">
-                <a14:hiddenLine xmlns="" xmlns:a14="http://schemas.microsoft.com/office/drawing/2010/main" w="9525">
+                <a14:hiddenLine xmlns:a14="http://schemas.microsoft.com/office/drawing/2010/main" xmlns="" w="9525">
                   <a:solidFill>
                     <a:srgbClr val="000000"/>
                   </a:solidFill>
@@ -4263,7 +4267,7 @@
             </a:ln>
             <a:extLst>
               <a:ext uri="{91240B29-F687-4f45-9708-019B960494DF}">
-                <a14:hiddenLine xmlns="" xmlns:a14="http://schemas.microsoft.com/office/drawing/2010/main" w="9525">
+                <a14:hiddenLine xmlns:a14="http://schemas.microsoft.com/office/drawing/2010/main" xmlns="" w="9525">
                   <a:solidFill>
                     <a:srgbClr val="000000"/>
                   </a:solidFill>
@@ -9070,7 +9074,7 @@
           <a:noFill/>
           <a:extLst>
             <a:ext uri="{909E8E84-426E-40dd-AFC4-6F175D3DCCD1}">
-              <a14:hiddenFill xmlns="" xmlns:a14="http://schemas.microsoft.com/office/drawing/2010/main">
+              <a14:hiddenFill xmlns:a14="http://schemas.microsoft.com/office/drawing/2010/main" xmlns="">
                 <a:solidFill>
                   <a:srgbClr val="FFFFFF"/>
                 </a:solidFill>
@@ -9144,7 +9148,7 @@
               </a:ln>
               <a:extLst>
                 <a:ext uri="{91240B29-F687-4f45-9708-019B960494DF}">
-                  <a14:hiddenLine xmlns="" xmlns:a14="http://schemas.microsoft.com/office/drawing/2010/main" w="9525">
+                  <a14:hiddenLine xmlns:a14="http://schemas.microsoft.com/office/drawing/2010/main" xmlns="" w="9525">
                     <a:solidFill>
                       <a:srgbClr val="000000"/>
                     </a:solidFill>
@@ -9234,7 +9238,7 @@
               </a:ln>
               <a:extLst>
                 <a:ext uri="{91240B29-F687-4f45-9708-019B960494DF}">
-                  <a14:hiddenLine xmlns="" xmlns:a14="http://schemas.microsoft.com/office/drawing/2010/main" w="9525">
+                  <a14:hiddenLine xmlns:a14="http://schemas.microsoft.com/office/drawing/2010/main" xmlns="" w="9525">
                     <a:solidFill>
                       <a:srgbClr val="000000"/>
                     </a:solidFill>
@@ -9324,7 +9328,7 @@
               </a:ln>
               <a:extLst>
                 <a:ext uri="{91240B29-F687-4f45-9708-019B960494DF}">
-                  <a14:hiddenLine xmlns="" xmlns:a14="http://schemas.microsoft.com/office/drawing/2010/main" w="9525">
+                  <a14:hiddenLine xmlns:a14="http://schemas.microsoft.com/office/drawing/2010/main" xmlns="" w="9525">
                     <a:solidFill>
                       <a:srgbClr val="000000"/>
                     </a:solidFill>
@@ -9386,7 +9390,7 @@
               </a:ln>
               <a:extLst>
                 <a:ext uri="{91240B29-F687-4f45-9708-019B960494DF}">
-                  <a14:hiddenLine xmlns="" xmlns:a14="http://schemas.microsoft.com/office/drawing/2010/main" w="9525">
+                  <a14:hiddenLine xmlns:a14="http://schemas.microsoft.com/office/drawing/2010/main" xmlns="" w="9525">
                     <a:solidFill>
                       <a:srgbClr val="000000"/>
                     </a:solidFill>
@@ -9476,7 +9480,7 @@
               </a:ln>
               <a:extLst>
                 <a:ext uri="{91240B29-F687-4f45-9708-019B960494DF}">
-                  <a14:hiddenLine xmlns="" xmlns:a14="http://schemas.microsoft.com/office/drawing/2010/main" w="9525">
+                  <a14:hiddenLine xmlns:a14="http://schemas.microsoft.com/office/drawing/2010/main" xmlns="" w="9525">
                     <a:solidFill>
                       <a:srgbClr val="000000"/>
                     </a:solidFill>
@@ -9538,7 +9542,7 @@
               </a:ln>
               <a:extLst>
                 <a:ext uri="{91240B29-F687-4f45-9708-019B960494DF}">
-                  <a14:hiddenLine xmlns="" xmlns:a14="http://schemas.microsoft.com/office/drawing/2010/main" w="9525">
+                  <a14:hiddenLine xmlns:a14="http://schemas.microsoft.com/office/drawing/2010/main" xmlns="" w="9525">
                     <a:solidFill>
                       <a:srgbClr val="000000"/>
                     </a:solidFill>
@@ -9600,7 +9604,7 @@
               </a:ln>
               <a:extLst>
                 <a:ext uri="{91240B29-F687-4f45-9708-019B960494DF}">
-                  <a14:hiddenLine xmlns="" xmlns:a14="http://schemas.microsoft.com/office/drawing/2010/main" w="9525">
+                  <a14:hiddenLine xmlns:a14="http://schemas.microsoft.com/office/drawing/2010/main" xmlns="" w="9525">
                     <a:solidFill>
                       <a:srgbClr val="000000"/>
                     </a:solidFill>
@@ -9690,7 +9694,7 @@
               </a:ln>
               <a:extLst>
                 <a:ext uri="{91240B29-F687-4f45-9708-019B960494DF}">
-                  <a14:hiddenLine xmlns="" xmlns:a14="http://schemas.microsoft.com/office/drawing/2010/main" w="9525">
+                  <a14:hiddenLine xmlns:a14="http://schemas.microsoft.com/office/drawing/2010/main" xmlns="" w="9525">
                     <a:solidFill>
                       <a:srgbClr val="000000"/>
                     </a:solidFill>
@@ -9780,7 +9784,7 @@
               </a:ln>
               <a:extLst>
                 <a:ext uri="{91240B29-F687-4f45-9708-019B960494DF}">
-                  <a14:hiddenLine xmlns="" xmlns:a14="http://schemas.microsoft.com/office/drawing/2010/main" w="9525">
+                  <a14:hiddenLine xmlns:a14="http://schemas.microsoft.com/office/drawing/2010/main" xmlns="" w="9525">
                     <a:solidFill>
                       <a:srgbClr val="000000"/>
                     </a:solidFill>
@@ -9842,7 +9846,7 @@
               </a:ln>
               <a:extLst>
                 <a:ext uri="{91240B29-F687-4f45-9708-019B960494DF}">
-                  <a14:hiddenLine xmlns="" xmlns:a14="http://schemas.microsoft.com/office/drawing/2010/main" w="9525">
+                  <a14:hiddenLine xmlns:a14="http://schemas.microsoft.com/office/drawing/2010/main" xmlns="" w="9525">
                     <a:solidFill>
                       <a:srgbClr val="000000"/>
                     </a:solidFill>
@@ -9952,7 +9956,7 @@
               </a:ln>
               <a:extLst>
                 <a:ext uri="{91240B29-F687-4f45-9708-019B960494DF}">
-                  <a14:hiddenLine xmlns="" xmlns:a14="http://schemas.microsoft.com/office/drawing/2010/main" w="9525">
+                  <a14:hiddenLine xmlns:a14="http://schemas.microsoft.com/office/drawing/2010/main" xmlns="" w="9525">
                     <a:solidFill>
                       <a:srgbClr val="000000"/>
                     </a:solidFill>
@@ -10036,7 +10040,7 @@
               </a:ln>
               <a:extLst>
                 <a:ext uri="{91240B29-F687-4f45-9708-019B960494DF}">
-                  <a14:hiddenLine xmlns="" xmlns:a14="http://schemas.microsoft.com/office/drawing/2010/main" w="9525">
+                  <a14:hiddenLine xmlns:a14="http://schemas.microsoft.com/office/drawing/2010/main" xmlns="" w="9525">
                     <a:solidFill>
                       <a:srgbClr val="000000"/>
                     </a:solidFill>
@@ -10098,7 +10102,7 @@
               </a:ln>
               <a:extLst>
                 <a:ext uri="{91240B29-F687-4f45-9708-019B960494DF}">
-                  <a14:hiddenLine xmlns="" xmlns:a14="http://schemas.microsoft.com/office/drawing/2010/main" w="9525">
+                  <a14:hiddenLine xmlns:a14="http://schemas.microsoft.com/office/drawing/2010/main" xmlns="" w="9525">
                     <a:solidFill>
                       <a:srgbClr val="000000"/>
                     </a:solidFill>
@@ -10160,7 +10164,7 @@
               </a:ln>
               <a:extLst>
                 <a:ext uri="{91240B29-F687-4f45-9708-019B960494DF}">
-                  <a14:hiddenLine xmlns="" xmlns:a14="http://schemas.microsoft.com/office/drawing/2010/main" w="9525">
+                  <a14:hiddenLine xmlns:a14="http://schemas.microsoft.com/office/drawing/2010/main" xmlns="" w="9525">
                     <a:solidFill>
                       <a:srgbClr val="000000"/>
                     </a:solidFill>
@@ -10250,7 +10254,7 @@
               </a:ln>
               <a:extLst>
                 <a:ext uri="{91240B29-F687-4f45-9708-019B960494DF}">
-                  <a14:hiddenLine xmlns="" xmlns:a14="http://schemas.microsoft.com/office/drawing/2010/main" w="9525">
+                  <a14:hiddenLine xmlns:a14="http://schemas.microsoft.com/office/drawing/2010/main" xmlns="" w="9525">
                     <a:solidFill>
                       <a:srgbClr val="000000"/>
                     </a:solidFill>
@@ -10284,7 +10288,7 @@
               </a:ln>
               <a:extLst>
                 <a:ext uri="{91240B29-F687-4f45-9708-019B960494DF}">
-                  <a14:hiddenLine xmlns="" xmlns:a14="http://schemas.microsoft.com/office/drawing/2010/main" w="9525">
+                  <a14:hiddenLine xmlns:a14="http://schemas.microsoft.com/office/drawing/2010/main" xmlns="" w="9525">
                     <a:solidFill>
                       <a:srgbClr val="000000"/>
                     </a:solidFill>
@@ -10349,7 +10353,7 @@
               </a:ln>
               <a:extLst>
                 <a:ext uri="{91240B29-F687-4f45-9708-019B960494DF}">
-                  <a14:hiddenLine xmlns="" xmlns:a14="http://schemas.microsoft.com/office/drawing/2010/main" w="9525">
+                  <a14:hiddenLine xmlns:a14="http://schemas.microsoft.com/office/drawing/2010/main" xmlns="" w="9525">
                     <a:solidFill>
                       <a:srgbClr val="000000"/>
                     </a:solidFill>
@@ -10439,7 +10443,7 @@
               </a:ln>
               <a:extLst>
                 <a:ext uri="{91240B29-F687-4f45-9708-019B960494DF}">
-                  <a14:hiddenLine xmlns="" xmlns:a14="http://schemas.microsoft.com/office/drawing/2010/main" w="9525">
+                  <a14:hiddenLine xmlns:a14="http://schemas.microsoft.com/office/drawing/2010/main" xmlns="" w="9525">
                     <a:solidFill>
                       <a:srgbClr val="000000"/>
                     </a:solidFill>
@@ -10501,7 +10505,7 @@
               </a:ln>
               <a:extLst>
                 <a:ext uri="{91240B29-F687-4f45-9708-019B960494DF}">
-                  <a14:hiddenLine xmlns="" xmlns:a14="http://schemas.microsoft.com/office/drawing/2010/main" w="9525">
+                  <a14:hiddenLine xmlns:a14="http://schemas.microsoft.com/office/drawing/2010/main" xmlns="" w="9525">
                     <a:solidFill>
                       <a:srgbClr val="000000"/>
                     </a:solidFill>
@@ -10591,7 +10595,7 @@
               </a:ln>
               <a:extLst>
                 <a:ext uri="{91240B29-F687-4f45-9708-019B960494DF}">
-                  <a14:hiddenLine xmlns="" xmlns:a14="http://schemas.microsoft.com/office/drawing/2010/main" w="9525">
+                  <a14:hiddenLine xmlns:a14="http://schemas.microsoft.com/office/drawing/2010/main" xmlns="" w="9525">
                     <a:solidFill>
                       <a:srgbClr val="000000"/>
                     </a:solidFill>
@@ -10656,7 +10660,7 @@
               </a:ln>
               <a:extLst>
                 <a:ext uri="{91240B29-F687-4f45-9708-019B960494DF}">
-                  <a14:hiddenLine xmlns="" xmlns:a14="http://schemas.microsoft.com/office/drawing/2010/main" w="9525">
+                  <a14:hiddenLine xmlns:a14="http://schemas.microsoft.com/office/drawing/2010/main" xmlns="" w="9525">
                     <a:solidFill>
                       <a:srgbClr val="000000"/>
                     </a:solidFill>
@@ -10718,7 +10722,7 @@
               </a:ln>
               <a:extLst>
                 <a:ext uri="{91240B29-F687-4f45-9708-019B960494DF}">
-                  <a14:hiddenLine xmlns="" xmlns:a14="http://schemas.microsoft.com/office/drawing/2010/main" w="9525">
+                  <a14:hiddenLine xmlns:a14="http://schemas.microsoft.com/office/drawing/2010/main" xmlns="" w="9525">
                     <a:solidFill>
                       <a:srgbClr val="000000"/>
                     </a:solidFill>
@@ -10808,7 +10812,7 @@
               </a:ln>
               <a:extLst>
                 <a:ext uri="{91240B29-F687-4f45-9708-019B960494DF}">
-                  <a14:hiddenLine xmlns="" xmlns:a14="http://schemas.microsoft.com/office/drawing/2010/main" w="9525">
+                  <a14:hiddenLine xmlns:a14="http://schemas.microsoft.com/office/drawing/2010/main" xmlns="" w="9525">
                     <a:solidFill>
                       <a:srgbClr val="000000"/>
                     </a:solidFill>
@@ -10898,7 +10902,7 @@
               </a:ln>
               <a:extLst>
                 <a:ext uri="{91240B29-F687-4f45-9708-019B960494DF}">
-                  <a14:hiddenLine xmlns="" xmlns:a14="http://schemas.microsoft.com/office/drawing/2010/main" w="9525">
+                  <a14:hiddenLine xmlns:a14="http://schemas.microsoft.com/office/drawing/2010/main" xmlns="" w="9525">
                     <a:solidFill>
                       <a:srgbClr val="000000"/>
                     </a:solidFill>
@@ -10963,7 +10967,7 @@
               </a:ln>
               <a:extLst>
                 <a:ext uri="{91240B29-F687-4f45-9708-019B960494DF}">
-                  <a14:hiddenLine xmlns="" xmlns:a14="http://schemas.microsoft.com/office/drawing/2010/main" w="9525">
+                  <a14:hiddenLine xmlns:a14="http://schemas.microsoft.com/office/drawing/2010/main" xmlns="" w="9525">
                     <a:solidFill>
                       <a:srgbClr val="000000"/>
                     </a:solidFill>
@@ -11083,7 +11087,7 @@
               </a:ln>
               <a:extLst>
                 <a:ext uri="{91240B29-F687-4f45-9708-019B960494DF}">
-                  <a14:hiddenLine xmlns="" xmlns:a14="http://schemas.microsoft.com/office/drawing/2010/main" w="9525">
+                  <a14:hiddenLine xmlns:a14="http://schemas.microsoft.com/office/drawing/2010/main" xmlns="" w="9525">
                     <a:solidFill>
                       <a:srgbClr val="000000"/>
                     </a:solidFill>
@@ -11181,7 +11185,7 @@
               </a:ln>
               <a:extLst>
                 <a:ext uri="{91240B29-F687-4f45-9708-019B960494DF}">
-                  <a14:hiddenLine xmlns="" xmlns:a14="http://schemas.microsoft.com/office/drawing/2010/main" w="9525">
+                  <a14:hiddenLine xmlns:a14="http://schemas.microsoft.com/office/drawing/2010/main" xmlns="" w="9525">
                     <a:solidFill>
                       <a:srgbClr val="000000"/>
                     </a:solidFill>
@@ -11296,7 +11300,7 @@
               </a:ln>
               <a:extLst>
                 <a:ext uri="{91240B29-F687-4f45-9708-019B960494DF}">
-                  <a14:hiddenLine xmlns="" xmlns:a14="http://schemas.microsoft.com/office/drawing/2010/main" w="9525">
+                  <a14:hiddenLine xmlns:a14="http://schemas.microsoft.com/office/drawing/2010/main" xmlns="" w="9525">
                     <a:solidFill>
                       <a:srgbClr val="000000"/>
                     </a:solidFill>
@@ -11386,7 +11390,7 @@
               </a:ln>
               <a:extLst>
                 <a:ext uri="{91240B29-F687-4f45-9708-019B960494DF}">
-                  <a14:hiddenLine xmlns="" xmlns:a14="http://schemas.microsoft.com/office/drawing/2010/main" w="9525">
+                  <a14:hiddenLine xmlns:a14="http://schemas.microsoft.com/office/drawing/2010/main" xmlns="" w="9525">
                     <a:solidFill>
                       <a:srgbClr val="000000"/>
                     </a:solidFill>
@@ -11451,7 +11455,7 @@
               </a:ln>
               <a:extLst>
                 <a:ext uri="{91240B29-F687-4f45-9708-019B960494DF}">
-                  <a14:hiddenLine xmlns="" xmlns:a14="http://schemas.microsoft.com/office/drawing/2010/main" w="9525">
+                  <a14:hiddenLine xmlns:a14="http://schemas.microsoft.com/office/drawing/2010/main" xmlns="" w="9525">
                     <a:solidFill>
                       <a:srgbClr val="000000"/>
                     </a:solidFill>
@@ -11541,7 +11545,7 @@
               </a:ln>
               <a:extLst>
                 <a:ext uri="{91240B29-F687-4f45-9708-019B960494DF}">
-                  <a14:hiddenLine xmlns="" xmlns:a14="http://schemas.microsoft.com/office/drawing/2010/main" w="9525">
+                  <a14:hiddenLine xmlns:a14="http://schemas.microsoft.com/office/drawing/2010/main" xmlns="" w="9525">
                     <a:solidFill>
                       <a:srgbClr val="000000"/>
                     </a:solidFill>
@@ -11609,7 +11613,7 @@
               </a:ln>
               <a:extLst>
                 <a:ext uri="{91240B29-F687-4f45-9708-019B960494DF}">
-                  <a14:hiddenLine xmlns="" xmlns:a14="http://schemas.microsoft.com/office/drawing/2010/main" w="9525">
+                  <a14:hiddenLine xmlns:a14="http://schemas.microsoft.com/office/drawing/2010/main" xmlns="" w="9525">
                     <a:solidFill>
                       <a:srgbClr val="000000"/>
                     </a:solidFill>
@@ -11699,7 +11703,7 @@
               </a:ln>
               <a:extLst>
                 <a:ext uri="{91240B29-F687-4f45-9708-019B960494DF}">
-                  <a14:hiddenLine xmlns="" xmlns:a14="http://schemas.microsoft.com/office/drawing/2010/main" w="9525">
+                  <a14:hiddenLine xmlns:a14="http://schemas.microsoft.com/office/drawing/2010/main" xmlns="" w="9525">
                     <a:solidFill>
                       <a:srgbClr val="000000"/>
                     </a:solidFill>
@@ -11767,7 +11771,7 @@
               </a:ln>
               <a:extLst>
                 <a:ext uri="{91240B29-F687-4f45-9708-019B960494DF}">
-                  <a14:hiddenLine xmlns="" xmlns:a14="http://schemas.microsoft.com/office/drawing/2010/main" w="9525">
+                  <a14:hiddenLine xmlns:a14="http://schemas.microsoft.com/office/drawing/2010/main" xmlns="" w="9525">
                     <a:solidFill>
                       <a:srgbClr val="000000"/>
                     </a:solidFill>
@@ -11857,7 +11861,7 @@
               </a:ln>
               <a:extLst>
                 <a:ext uri="{91240B29-F687-4f45-9708-019B960494DF}">
-                  <a14:hiddenLine xmlns="" xmlns:a14="http://schemas.microsoft.com/office/drawing/2010/main" w="9525">
+                  <a14:hiddenLine xmlns:a14="http://schemas.microsoft.com/office/drawing/2010/main" xmlns="" w="9525">
                     <a:solidFill>
                       <a:srgbClr val="000000"/>
                     </a:solidFill>
@@ -11891,7 +11895,7 @@
               </a:ln>
               <a:extLst>
                 <a:ext uri="{91240B29-F687-4f45-9708-019B960494DF}">
-                  <a14:hiddenLine xmlns="" xmlns:a14="http://schemas.microsoft.com/office/drawing/2010/main" w="9525">
+                  <a14:hiddenLine xmlns:a14="http://schemas.microsoft.com/office/drawing/2010/main" xmlns="" w="9525">
                     <a:solidFill>
                       <a:srgbClr val="000000"/>
                     </a:solidFill>
@@ -12697,11 +12701,7 @@
           <a:p>
             <a:r>
               <a:rPr lang="sr-Latn-RS" dirty="0" smtClean="0"/>
-              <a:t>Polja i metode unutar klase mogu biti ili javna ili </a:t>
-            </a:r>
-            <a:r>
-              <a:rPr lang="sr-Latn-RS" dirty="0" smtClean="0"/>
-              <a:t>privatna</a:t>
+              <a:t>Polja i metode unutar klase mogu biti ili javna ili privatna</a:t>
             </a:r>
           </a:p>
           <a:p>
@@ -13010,6 +13010,230 @@
 </p:sld>
 </file>
 
+<file path=ppt/slides/slide17.xml><?xml version="1.0" encoding="utf-8"?>
+<p:sld xmlns:a="http://schemas.openxmlformats.org/drawingml/2006/main" xmlns:r="http://schemas.openxmlformats.org/officeDocument/2006/relationships" xmlns:p="http://schemas.openxmlformats.org/presentationml/2006/main">
+  <p:cSld>
+    <p:spTree>
+      <p:nvGrpSpPr>
+        <p:cNvPr id="1" name=""/>
+        <p:cNvGrpSpPr/>
+        <p:nvPr/>
+      </p:nvGrpSpPr>
+      <p:grpSpPr>
+        <a:xfrm>
+          <a:off x="0" y="0"/>
+          <a:ext cx="0" cy="0"/>
+          <a:chOff x="0" y="0"/>
+          <a:chExt cx="0" cy="0"/>
+        </a:xfrm>
+      </p:grpSpPr>
+      <p:sp>
+        <p:nvSpPr>
+          <p:cNvPr id="2" name="Title 1"/>
+          <p:cNvSpPr>
+            <a:spLocks noGrp="1"/>
+          </p:cNvSpPr>
+          <p:nvPr>
+            <p:ph type="title"/>
+          </p:nvPr>
+        </p:nvSpPr>
+        <p:spPr/>
+        <p:txBody>
+          <a:bodyPr/>
+          <a:lstStyle/>
+          <a:p>
+            <a:r>
+              <a:rPr lang="sr-Latn-RS" dirty="0" smtClean="0"/>
+              <a:t>Geteri i seteri</a:t>
+            </a:r>
+            <a:endParaRPr lang="en-US" dirty="0"/>
+          </a:p>
+        </p:txBody>
+      </p:sp>
+      <p:sp>
+        <p:nvSpPr>
+          <p:cNvPr id="3" name="Content Placeholder 2"/>
+          <p:cNvSpPr>
+            <a:spLocks noGrp="1"/>
+          </p:cNvSpPr>
+          <p:nvPr>
+            <p:ph idx="1"/>
+          </p:nvPr>
+        </p:nvSpPr>
+        <p:spPr/>
+        <p:txBody>
+          <a:bodyPr/>
+          <a:lstStyle/>
+          <a:p>
+            <a:r>
+              <a:rPr lang="sr-Latn-RS" dirty="0" smtClean="0"/>
+              <a:t>Umesto da kreiramo metode getX i setX možemo kreirati getere i setere. Geteri i seteri se koriste kao i obična svojstva samo što se svaki put izvršava kod unutar odgovarajuće „metode“</a:t>
+            </a:r>
+          </a:p>
+          <a:p>
+            <a:r>
+              <a:rPr lang="sr-Latn-RS" dirty="0" smtClean="0"/>
+              <a:t>Geteri se kreiraju pomoću ključne reči get</a:t>
+            </a:r>
+          </a:p>
+          <a:p>
+            <a:r>
+              <a:rPr lang="sr-Latn-RS" dirty="0" smtClean="0"/>
+              <a:t>Seteri se kreiraju pomoću ključne reši set</a:t>
+            </a:r>
+            <a:endParaRPr lang="en-US" dirty="0"/>
+          </a:p>
+        </p:txBody>
+      </p:sp>
+    </p:spTree>
+    <p:extLst>
+      <p:ext uri="{BB962C8B-B14F-4D97-AF65-F5344CB8AC3E}">
+        <p14:creationId xmlns:p14="http://schemas.microsoft.com/office/powerpoint/2010/main" val="157093616"/>
+      </p:ext>
+    </p:extLst>
+  </p:cSld>
+  <p:clrMapOvr>
+    <a:masterClrMapping/>
+  </p:clrMapOvr>
+</p:sld>
+</file>
+
+<file path=ppt/slides/slide18.xml><?xml version="1.0" encoding="utf-8"?>
+<p:sld xmlns:a="http://schemas.openxmlformats.org/drawingml/2006/main" xmlns:r="http://schemas.openxmlformats.org/officeDocument/2006/relationships" xmlns:p="http://schemas.openxmlformats.org/presentationml/2006/main">
+  <p:cSld>
+    <p:spTree>
+      <p:nvGrpSpPr>
+        <p:cNvPr id="1" name=""/>
+        <p:cNvGrpSpPr/>
+        <p:nvPr/>
+      </p:nvGrpSpPr>
+      <p:grpSpPr>
+        <a:xfrm>
+          <a:off x="0" y="0"/>
+          <a:ext cx="0" cy="0"/>
+          <a:chOff x="0" y="0"/>
+          <a:chExt cx="0" cy="0"/>
+        </a:xfrm>
+      </p:grpSpPr>
+      <p:pic>
+        <p:nvPicPr>
+          <p:cNvPr id="4" name="Picture 3"/>
+          <p:cNvPicPr>
+            <a:picLocks noChangeAspect="1"/>
+          </p:cNvPicPr>
+          <p:nvPr/>
+        </p:nvPicPr>
+        <p:blipFill>
+          <a:blip r:embed="rId2"/>
+          <a:stretch>
+            <a:fillRect/>
+          </a:stretch>
+        </p:blipFill>
+        <p:spPr>
+          <a:xfrm>
+            <a:off x="2420875" y="86262"/>
+            <a:ext cx="6422256" cy="6694098"/>
+          </a:xfrm>
+          <a:prstGeom prst="rect">
+            <a:avLst/>
+          </a:prstGeom>
+        </p:spPr>
+      </p:pic>
+    </p:spTree>
+    <p:extLst>
+      <p:ext uri="{BB962C8B-B14F-4D97-AF65-F5344CB8AC3E}">
+        <p14:creationId xmlns:p14="http://schemas.microsoft.com/office/powerpoint/2010/main" val="3666241914"/>
+      </p:ext>
+    </p:extLst>
+  </p:cSld>
+  <p:clrMapOvr>
+    <a:masterClrMapping/>
+  </p:clrMapOvr>
+</p:sld>
+</file>
+
+<file path=ppt/slides/slide19.xml><?xml version="1.0" encoding="utf-8"?>
+<p:sld xmlns:a="http://schemas.openxmlformats.org/drawingml/2006/main" xmlns:r="http://schemas.openxmlformats.org/officeDocument/2006/relationships" xmlns:p="http://schemas.openxmlformats.org/presentationml/2006/main">
+  <p:cSld>
+    <p:spTree>
+      <p:nvGrpSpPr>
+        <p:cNvPr id="1" name=""/>
+        <p:cNvGrpSpPr/>
+        <p:nvPr/>
+      </p:nvGrpSpPr>
+      <p:grpSpPr>
+        <a:xfrm>
+          <a:off x="0" y="0"/>
+          <a:ext cx="0" cy="0"/>
+          <a:chOff x="0" y="0"/>
+          <a:chExt cx="0" cy="0"/>
+        </a:xfrm>
+      </p:grpSpPr>
+      <p:sp>
+        <p:nvSpPr>
+          <p:cNvPr id="2" name="Title 1"/>
+          <p:cNvSpPr>
+            <a:spLocks noGrp="1"/>
+          </p:cNvSpPr>
+          <p:nvPr>
+            <p:ph type="title"/>
+          </p:nvPr>
+        </p:nvSpPr>
+        <p:spPr/>
+        <p:txBody>
+          <a:bodyPr/>
+          <a:lstStyle/>
+          <a:p>
+            <a:r>
+              <a:rPr lang="sr-Latn-RS" dirty="0" smtClean="0"/>
+              <a:t>Nasledjivanje</a:t>
+            </a:r>
+            <a:endParaRPr lang="en-US" dirty="0"/>
+          </a:p>
+        </p:txBody>
+      </p:sp>
+      <p:sp>
+        <p:nvSpPr>
+          <p:cNvPr id="3" name="Content Placeholder 2"/>
+          <p:cNvSpPr>
+            <a:spLocks noGrp="1"/>
+          </p:cNvSpPr>
+          <p:nvPr>
+            <p:ph idx="1"/>
+          </p:nvPr>
+        </p:nvSpPr>
+        <p:spPr/>
+        <p:txBody>
+          <a:bodyPr/>
+          <a:lstStyle/>
+          <a:p>
+            <a:r>
+              <a:rPr lang="sr-Latn-RS" dirty="0" smtClean="0"/>
+              <a:t>Nasledjivanje se u JS ostvaruje upotrebom ključne reči exends nakon deklaracije imena klase praćeno imenom nadklase</a:t>
+            </a:r>
+          </a:p>
+          <a:p>
+            <a:r>
+              <a:rPr lang="sr-Latn-RS" dirty="0" smtClean="0"/>
+              <a:t>Unutar konstruktora podklase potrebno je pozvati konstruktor nadklase pomoću poziva super funkcije sa odgovarajućim parametrima</a:t>
+            </a:r>
+            <a:endParaRPr lang="en-US" dirty="0"/>
+          </a:p>
+        </p:txBody>
+      </p:sp>
+    </p:spTree>
+    <p:extLst>
+      <p:ext uri="{BB962C8B-B14F-4D97-AF65-F5344CB8AC3E}">
+        <p14:creationId xmlns:p14="http://schemas.microsoft.com/office/powerpoint/2010/main" val="3431652768"/>
+      </p:ext>
+    </p:extLst>
+  </p:cSld>
+  <p:clrMapOvr>
+    <a:masterClrMapping/>
+  </p:clrMapOvr>
+</p:sld>
+</file>
+
 <file path=ppt/slides/slide2.xml><?xml version="1.0" encoding="utf-8"?>
 <p:sld xmlns:a="http://schemas.openxmlformats.org/drawingml/2006/main" xmlns:r="http://schemas.openxmlformats.org/officeDocument/2006/relationships" xmlns:p="http://schemas.openxmlformats.org/presentationml/2006/main">
   <p:cSld>
@@ -13107,6 +13331,60 @@
     <p:extLst>
       <p:ext uri="{BB962C8B-B14F-4D97-AF65-F5344CB8AC3E}">
         <p14:creationId xmlns:p14="http://schemas.microsoft.com/office/powerpoint/2010/main" val="1532989156"/>
+      </p:ext>
+    </p:extLst>
+  </p:cSld>
+  <p:clrMapOvr>
+    <a:masterClrMapping/>
+  </p:clrMapOvr>
+</p:sld>
+</file>
+
+<file path=ppt/slides/slide20.xml><?xml version="1.0" encoding="utf-8"?>
+<p:sld xmlns:a="http://schemas.openxmlformats.org/drawingml/2006/main" xmlns:r="http://schemas.openxmlformats.org/officeDocument/2006/relationships" xmlns:p="http://schemas.openxmlformats.org/presentationml/2006/main">
+  <p:cSld>
+    <p:spTree>
+      <p:nvGrpSpPr>
+        <p:cNvPr id="1" name=""/>
+        <p:cNvGrpSpPr/>
+        <p:nvPr/>
+      </p:nvGrpSpPr>
+      <p:grpSpPr>
+        <a:xfrm>
+          <a:off x="0" y="0"/>
+          <a:ext cx="0" cy="0"/>
+          <a:chOff x="0" y="0"/>
+          <a:chExt cx="0" cy="0"/>
+        </a:xfrm>
+      </p:grpSpPr>
+      <p:pic>
+        <p:nvPicPr>
+          <p:cNvPr id="4" name="Picture 3"/>
+          <p:cNvPicPr>
+            <a:picLocks noChangeAspect="1"/>
+          </p:cNvPicPr>
+          <p:nvPr/>
+        </p:nvPicPr>
+        <p:blipFill>
+          <a:blip r:embed="rId2"/>
+          <a:stretch>
+            <a:fillRect/>
+          </a:stretch>
+        </p:blipFill>
+        <p:spPr>
+          <a:xfrm>
+            <a:off x="2805112" y="395287"/>
+            <a:ext cx="6581775" cy="6067425"/>
+          </a:xfrm>
+          <a:prstGeom prst="rect">
+            <a:avLst/>
+          </a:prstGeom>
+        </p:spPr>
+      </p:pic>
+    </p:spTree>
+    <p:extLst>
+      <p:ext uri="{BB962C8B-B14F-4D97-AF65-F5344CB8AC3E}">
+        <p14:creationId xmlns:p14="http://schemas.microsoft.com/office/powerpoint/2010/main" val="720161050"/>
       </p:ext>
     </p:extLst>
   </p:cSld>
@@ -13592,7 +13870,7 @@
         <p:spPr/>
         <p:txBody>
           <a:bodyPr>
-            <a:normAutofit lnSpcReduction="10000"/>
+            <a:normAutofit/>
           </a:bodyPr>
           <a:lstStyle/>
           <a:p>
@@ -13676,7 +13954,7 @@
         <p:spPr/>
         <p:txBody>
           <a:bodyPr>
-            <a:normAutofit fontScale="92500"/>
+            <a:normAutofit/>
           </a:bodyPr>
           <a:lstStyle/>
           <a:p>
